--- a/Lab/lab_topology.pptx
+++ b/Lab/lab_topology.pptx
@@ -5,7 +5,7 @@
     <p:sldMasterId id="2147483648" r:id="rId1"/>
   </p:sldMasterIdLst>
   <p:notesMasterIdLst>
-    <p:notesMasterId r:id="rId32"/>
+    <p:notesMasterId r:id="rId33"/>
   </p:notesMasterIdLst>
   <p:sldIdLst>
     <p:sldId id="338" r:id="rId2"/>
@@ -38,6 +38,7 @@
     <p:sldId id="336" r:id="rId29"/>
     <p:sldId id="275" r:id="rId30"/>
     <p:sldId id="345" r:id="rId31"/>
+    <p:sldId id="351" r:id="rId32"/>
   </p:sldIdLst>
   <p:sldSz cx="12192000" cy="6858000"/>
   <p:notesSz cx="6858000" cy="9144000"/>
@@ -147,13 +148,149 @@
 <file path=ppt/revisionInfo.xml><?xml version="1.0" encoding="utf-8"?>
 <p1510:revInfo xmlns:a="http://schemas.openxmlformats.org/drawingml/2006/main" xmlns:r="http://schemas.openxmlformats.org/officeDocument/2006/relationships" xmlns:p1510="http://schemas.microsoft.com/office/powerpoint/2015/10/main">
   <p1510:revLst>
-    <p1510:client id="{24954436-AF45-F947-831D-F9208AED373C}" v="6" dt="2022-05-08T04:21:13.750"/>
+    <p1510:client id="{E2C6511C-21B9-A644-80A6-7A859ECD22E6}" v="24" dt="2022-06-02T13:10:56.805"/>
   </p1510:revLst>
 </p1510:revInfo>
 </file>
 
 <file path=ppt/changesInfos/changesInfo1.xml><?xml version="1.0" encoding="utf-8"?>
 <pc:chgInfo xmlns:a="http://schemas.openxmlformats.org/drawingml/2006/main" xmlns:r="http://schemas.openxmlformats.org/officeDocument/2006/relationships" xmlns:ac="http://schemas.microsoft.com/office/drawing/2013/main/command" xmlns:pc="http://schemas.microsoft.com/office/powerpoint/2013/main/command">
+  <pc:docChgLst>
+    <pc:chgData name="Mochammad Irzan" userId="179137ea-2c9c-4136-bf34-44c697e89af7" providerId="ADAL" clId="{FA9EBB8C-8588-5446-83D3-FCC9D90709F5}"/>
+    <pc:docChg chg="custSel addSld modSld">
+      <pc:chgData name="Mochammad Irzan" userId="179137ea-2c9c-4136-bf34-44c697e89af7" providerId="ADAL" clId="{FA9EBB8C-8588-5446-83D3-FCC9D90709F5}" dt="2022-01-07T14:15:04.316" v="158" actId="20577"/>
+      <pc:docMkLst>
+        <pc:docMk/>
+      </pc:docMkLst>
+      <pc:sldChg chg="addSp modSp add mod">
+        <pc:chgData name="Mochammad Irzan" userId="179137ea-2c9c-4136-bf34-44c697e89af7" providerId="ADAL" clId="{FA9EBB8C-8588-5446-83D3-FCC9D90709F5}" dt="2022-01-07T14:15:04.316" v="158" actId="20577"/>
+        <pc:sldMkLst>
+          <pc:docMk/>
+          <pc:sldMk cId="1763538283" sldId="343"/>
+        </pc:sldMkLst>
+        <pc:spChg chg="mod">
+          <ac:chgData name="Mochammad Irzan" userId="179137ea-2c9c-4136-bf34-44c697e89af7" providerId="ADAL" clId="{FA9EBB8C-8588-5446-83D3-FCC9D90709F5}" dt="2022-01-07T14:11:32.416" v="16" actId="20577"/>
+          <ac:spMkLst>
+            <pc:docMk/>
+            <pc:sldMk cId="1763538283" sldId="343"/>
+            <ac:spMk id="2" creationId="{3F0E3409-D3D8-FA4B-84D1-DBCC5D8C1178}"/>
+          </ac:spMkLst>
+        </pc:spChg>
+        <pc:spChg chg="mod">
+          <ac:chgData name="Mochammad Irzan" userId="179137ea-2c9c-4136-bf34-44c697e89af7" providerId="ADAL" clId="{FA9EBB8C-8588-5446-83D3-FCC9D90709F5}" dt="2022-01-07T14:15:04.316" v="158" actId="20577"/>
+          <ac:spMkLst>
+            <pc:docMk/>
+            <pc:sldMk cId="1763538283" sldId="343"/>
+            <ac:spMk id="4" creationId="{79934BCB-150B-3948-8A44-2A52D3D44675}"/>
+          </ac:spMkLst>
+        </pc:spChg>
+        <pc:spChg chg="mod">
+          <ac:chgData name="Mochammad Irzan" userId="179137ea-2c9c-4136-bf34-44c697e89af7" providerId="ADAL" clId="{FA9EBB8C-8588-5446-83D3-FCC9D90709F5}" dt="2022-01-07T14:11:51.325" v="41" actId="1076"/>
+          <ac:spMkLst>
+            <pc:docMk/>
+            <pc:sldMk cId="1763538283" sldId="343"/>
+            <ac:spMk id="6" creationId="{0868FB46-DF25-D64A-9FC6-B97970050279}"/>
+          </ac:spMkLst>
+        </pc:spChg>
+        <pc:spChg chg="mod">
+          <ac:chgData name="Mochammad Irzan" userId="179137ea-2c9c-4136-bf34-44c697e89af7" providerId="ADAL" clId="{FA9EBB8C-8588-5446-83D3-FCC9D90709F5}" dt="2022-01-07T14:12:09.665" v="46" actId="1076"/>
+          <ac:spMkLst>
+            <pc:docMk/>
+            <pc:sldMk cId="1763538283" sldId="343"/>
+            <ac:spMk id="10" creationId="{0695F9A5-ECBD-B842-819C-A7F0D809FED9}"/>
+          </ac:spMkLst>
+        </pc:spChg>
+        <pc:spChg chg="mod">
+          <ac:chgData name="Mochammad Irzan" userId="179137ea-2c9c-4136-bf34-44c697e89af7" providerId="ADAL" clId="{FA9EBB8C-8588-5446-83D3-FCC9D90709F5}" dt="2022-01-07T14:11:38.324" v="24" actId="20577"/>
+          <ac:spMkLst>
+            <pc:docMk/>
+            <pc:sldMk cId="1763538283" sldId="343"/>
+            <ac:spMk id="16" creationId="{0D6221D8-54D1-1D47-A410-2308F42C195D}"/>
+          </ac:spMkLst>
+        </pc:spChg>
+        <pc:spChg chg="add mod">
+          <ac:chgData name="Mochammad Irzan" userId="179137ea-2c9c-4136-bf34-44c697e89af7" providerId="ADAL" clId="{FA9EBB8C-8588-5446-83D3-FCC9D90709F5}" dt="2022-01-07T14:12:56.304" v="80" actId="1076"/>
+          <ac:spMkLst>
+            <pc:docMk/>
+            <pc:sldMk cId="1763538283" sldId="343"/>
+            <ac:spMk id="32" creationId="{51DE5E7A-B8F8-8347-A6E9-92A75920B9C0}"/>
+          </ac:spMkLst>
+        </pc:spChg>
+        <pc:spChg chg="add mod">
+          <ac:chgData name="Mochammad Irzan" userId="179137ea-2c9c-4136-bf34-44c697e89af7" providerId="ADAL" clId="{FA9EBB8C-8588-5446-83D3-FCC9D90709F5}" dt="2022-01-07T14:14:29.323" v="138" actId="1076"/>
+          <ac:spMkLst>
+            <pc:docMk/>
+            <pc:sldMk cId="1763538283" sldId="343"/>
+            <ac:spMk id="38" creationId="{08CC66EF-C607-2D42-BD5D-EB3A84468846}"/>
+          </ac:spMkLst>
+        </pc:spChg>
+        <pc:spChg chg="add mod">
+          <ac:chgData name="Mochammad Irzan" userId="179137ea-2c9c-4136-bf34-44c697e89af7" providerId="ADAL" clId="{FA9EBB8C-8588-5446-83D3-FCC9D90709F5}" dt="2022-01-07T14:14:42.154" v="139" actId="207"/>
+          <ac:spMkLst>
+            <pc:docMk/>
+            <pc:sldMk cId="1763538283" sldId="343"/>
+            <ac:spMk id="39" creationId="{1E9C2C65-9336-0244-ABD5-0D37BAE539BA}"/>
+          </ac:spMkLst>
+        </pc:spChg>
+        <pc:spChg chg="add mod">
+          <ac:chgData name="Mochammad Irzan" userId="179137ea-2c9c-4136-bf34-44c697e89af7" providerId="ADAL" clId="{FA9EBB8C-8588-5446-83D3-FCC9D90709F5}" dt="2022-01-07T14:14:23.687" v="137" actId="1076"/>
+          <ac:spMkLst>
+            <pc:docMk/>
+            <pc:sldMk cId="1763538283" sldId="343"/>
+            <ac:spMk id="48" creationId="{16D79FD4-3BCA-9E45-ACCB-D5C6516CF478}"/>
+          </ac:spMkLst>
+        </pc:spChg>
+        <pc:cxnChg chg="mod">
+          <ac:chgData name="Mochammad Irzan" userId="179137ea-2c9c-4136-bf34-44c697e89af7" providerId="ADAL" clId="{FA9EBB8C-8588-5446-83D3-FCC9D90709F5}" dt="2022-01-07T14:12:06.551" v="45" actId="14100"/>
+          <ac:cxnSpMkLst>
+            <pc:docMk/>
+            <pc:sldMk cId="1763538283" sldId="343"/>
+            <ac:cxnSpMk id="7" creationId="{04FBE105-CFE2-4B41-B932-31F2B7749442}"/>
+          </ac:cxnSpMkLst>
+        </pc:cxnChg>
+        <pc:cxnChg chg="mod">
+          <ac:chgData name="Mochammad Irzan" userId="179137ea-2c9c-4136-bf34-44c697e89af7" providerId="ADAL" clId="{FA9EBB8C-8588-5446-83D3-FCC9D90709F5}" dt="2022-01-07T14:12:09.665" v="46" actId="1076"/>
+          <ac:cxnSpMkLst>
+            <pc:docMk/>
+            <pc:sldMk cId="1763538283" sldId="343"/>
+            <ac:cxnSpMk id="11" creationId="{8D09981C-C994-7345-B223-78E7A5E34421}"/>
+          </ac:cxnSpMkLst>
+        </pc:cxnChg>
+        <pc:cxnChg chg="add mod">
+          <ac:chgData name="Mochammad Irzan" userId="179137ea-2c9c-4136-bf34-44c697e89af7" providerId="ADAL" clId="{FA9EBB8C-8588-5446-83D3-FCC9D90709F5}" dt="2022-01-07T14:12:56.304" v="80" actId="1076"/>
+          <ac:cxnSpMkLst>
+            <pc:docMk/>
+            <pc:sldMk cId="1763538283" sldId="343"/>
+            <ac:cxnSpMk id="31" creationId="{6B415C36-408F-3B4F-8EED-F12FF6119E19}"/>
+          </ac:cxnSpMkLst>
+        </pc:cxnChg>
+        <pc:cxnChg chg="add mod">
+          <ac:chgData name="Mochammad Irzan" userId="179137ea-2c9c-4136-bf34-44c697e89af7" providerId="ADAL" clId="{FA9EBB8C-8588-5446-83D3-FCC9D90709F5}" dt="2022-01-07T14:13:34.101" v="115" actId="1076"/>
+          <ac:cxnSpMkLst>
+            <pc:docMk/>
+            <pc:sldMk cId="1763538283" sldId="343"/>
+            <ac:cxnSpMk id="40" creationId="{85B78CE9-7C56-294D-9A79-43982C6DA6B8}"/>
+          </ac:cxnSpMkLst>
+        </pc:cxnChg>
+        <pc:cxnChg chg="add mod">
+          <ac:chgData name="Mochammad Irzan" userId="179137ea-2c9c-4136-bf34-44c697e89af7" providerId="ADAL" clId="{FA9EBB8C-8588-5446-83D3-FCC9D90709F5}" dt="2022-01-07T14:14:29.323" v="138" actId="1076"/>
+          <ac:cxnSpMkLst>
+            <pc:docMk/>
+            <pc:sldMk cId="1763538283" sldId="343"/>
+            <ac:cxnSpMk id="44" creationId="{2F9C110A-3FB8-FC40-9C21-5E2DF4519D18}"/>
+          </ac:cxnSpMkLst>
+        </pc:cxnChg>
+        <pc:cxnChg chg="add mod">
+          <ac:chgData name="Mochammad Irzan" userId="179137ea-2c9c-4136-bf34-44c697e89af7" providerId="ADAL" clId="{FA9EBB8C-8588-5446-83D3-FCC9D90709F5}" dt="2022-01-07T14:14:29.323" v="138" actId="1076"/>
+          <ac:cxnSpMkLst>
+            <pc:docMk/>
+            <pc:sldMk cId="1763538283" sldId="343"/>
+            <ac:cxnSpMk id="49" creationId="{477770EA-9409-C845-9D57-4BEB6E293C87}"/>
+          </ac:cxnSpMkLst>
+        </pc:cxnChg>
+      </pc:sldChg>
+    </pc:docChg>
+  </pc:docChgLst>
   <pc:docChgLst>
     <pc:chgData name="Mochammad Irzan" userId="179137ea-2c9c-4136-bf34-44c697e89af7" providerId="ADAL" clId="{95643D01-06A6-0540-8DA9-338CACDC7AED}"/>
     <pc:docChg chg="custSel addSld modSld">
@@ -794,400 +931,264 @@
     </pc:docChg>
   </pc:docChgLst>
   <pc:docChgLst>
-    <pc:chgData name="Mochammad Irzan" userId="179137ea-2c9c-4136-bf34-44c697e89af7" providerId="ADAL" clId="{164DE0FF-35CD-824A-B85E-65074E272124}"/>
-    <pc:docChg chg="custSel addSld modSld sldOrd">
-      <pc:chgData name="Mochammad Irzan" userId="179137ea-2c9c-4136-bf34-44c697e89af7" providerId="ADAL" clId="{164DE0FF-35CD-824A-B85E-65074E272124}" dt="2021-09-06T04:37:19.880" v="275" actId="166"/>
+    <pc:chgData name="Mochammad Irzan" userId="179137ea-2c9c-4136-bf34-44c697e89af7" providerId="ADAL" clId="{E2C6511C-21B9-A644-80A6-7A859ECD22E6}"/>
+    <pc:docChg chg="custSel addSld modSld">
+      <pc:chgData name="Mochammad Irzan" userId="179137ea-2c9c-4136-bf34-44c697e89af7" providerId="ADAL" clId="{E2C6511C-21B9-A644-80A6-7A859ECD22E6}" dt="2022-06-02T13:11:10.637" v="256" actId="1076"/>
       <pc:docMkLst>
         <pc:docMk/>
       </pc:docMkLst>
-      <pc:sldChg chg="addSp delSp modSp new mod ord">
-        <pc:chgData name="Mochammad Irzan" userId="179137ea-2c9c-4136-bf34-44c697e89af7" providerId="ADAL" clId="{164DE0FF-35CD-824A-B85E-65074E272124}" dt="2021-09-06T04:37:19.880" v="275" actId="166"/>
+      <pc:sldChg chg="addSp delSp modSp new mod">
+        <pc:chgData name="Mochammad Irzan" userId="179137ea-2c9c-4136-bf34-44c697e89af7" providerId="ADAL" clId="{E2C6511C-21B9-A644-80A6-7A859ECD22E6}" dt="2022-06-02T13:11:10.637" v="256" actId="1076"/>
         <pc:sldMkLst>
           <pc:docMk/>
-          <pc:sldMk cId="3101924204" sldId="338"/>
+          <pc:sldMk cId="2441992710" sldId="351"/>
         </pc:sldMkLst>
         <pc:spChg chg="mod">
-          <ac:chgData name="Mochammad Irzan" userId="179137ea-2c9c-4136-bf34-44c697e89af7" providerId="ADAL" clId="{164DE0FF-35CD-824A-B85E-65074E272124}" dt="2021-09-06T04:20:21.988" v="22" actId="20577"/>
+          <ac:chgData name="Mochammad Irzan" userId="179137ea-2c9c-4136-bf34-44c697e89af7" providerId="ADAL" clId="{E2C6511C-21B9-A644-80A6-7A859ECD22E6}" dt="2022-06-02T12:49:10.945" v="31" actId="20577"/>
           <ac:spMkLst>
             <pc:docMk/>
-            <pc:sldMk cId="3101924204" sldId="338"/>
-            <ac:spMk id="2" creationId="{B79AE86B-6496-A14A-B9D5-3FF656249EEE}"/>
+            <pc:sldMk cId="2441992710" sldId="351"/>
+            <ac:spMk id="2" creationId="{53C96E34-7008-6EF8-F9D2-2650A400DC35}"/>
           </ac:spMkLst>
         </pc:spChg>
         <pc:spChg chg="add mod">
-          <ac:chgData name="Mochammad Irzan" userId="179137ea-2c9c-4136-bf34-44c697e89af7" providerId="ADAL" clId="{164DE0FF-35CD-824A-B85E-65074E272124}" dt="2021-09-06T04:21:36.210" v="57" actId="1076"/>
+          <ac:chgData name="Mochammad Irzan" userId="179137ea-2c9c-4136-bf34-44c697e89af7" providerId="ADAL" clId="{E2C6511C-21B9-A644-80A6-7A859ECD22E6}" dt="2022-06-02T12:58:46.792" v="123" actId="1076"/>
           <ac:spMkLst>
             <pc:docMk/>
-            <pc:sldMk cId="3101924204" sldId="338"/>
-            <ac:spMk id="3" creationId="{A516CB98-1D99-5948-8B09-320760238D43}"/>
+            <pc:sldMk cId="2441992710" sldId="351"/>
+            <ac:spMk id="3" creationId="{EB57B068-63E8-9BA5-95D0-E9C5BF2D8EC4}"/>
           </ac:spMkLst>
         </pc:spChg>
         <pc:spChg chg="add mod">
-          <ac:chgData name="Mochammad Irzan" userId="179137ea-2c9c-4136-bf34-44c697e89af7" providerId="ADAL" clId="{164DE0FF-35CD-824A-B85E-65074E272124}" dt="2021-09-06T04:21:36.210" v="57" actId="1076"/>
+          <ac:chgData name="Mochammad Irzan" userId="179137ea-2c9c-4136-bf34-44c697e89af7" providerId="ADAL" clId="{E2C6511C-21B9-A644-80A6-7A859ECD22E6}" dt="2022-06-02T12:58:46.792" v="123" actId="1076"/>
           <ac:spMkLst>
             <pc:docMk/>
-            <pc:sldMk cId="3101924204" sldId="338"/>
-            <ac:spMk id="4" creationId="{89735D13-6638-C844-84B6-84674DA3BC0D}"/>
+            <pc:sldMk cId="2441992710" sldId="351"/>
+            <ac:spMk id="4" creationId="{3016502F-E29A-2D31-F4E5-2B0566813738}"/>
           </ac:spMkLst>
         </pc:spChg>
         <pc:spChg chg="add mod">
-          <ac:chgData name="Mochammad Irzan" userId="179137ea-2c9c-4136-bf34-44c697e89af7" providerId="ADAL" clId="{164DE0FF-35CD-824A-B85E-65074E272124}" dt="2021-09-06T04:22:36.929" v="80" actId="1076"/>
+          <ac:chgData name="Mochammad Irzan" userId="179137ea-2c9c-4136-bf34-44c697e89af7" providerId="ADAL" clId="{E2C6511C-21B9-A644-80A6-7A859ECD22E6}" dt="2022-06-02T12:58:46.792" v="123" actId="1076"/>
           <ac:spMkLst>
             <pc:docMk/>
-            <pc:sldMk cId="3101924204" sldId="338"/>
-            <ac:spMk id="7" creationId="{09C242F0-67D6-3945-A1AC-9FA592B6FEE7}"/>
+            <pc:sldMk cId="2441992710" sldId="351"/>
+            <ac:spMk id="5" creationId="{54C1162E-DFDD-0BF4-4150-822217120BDB}"/>
           </ac:spMkLst>
         </pc:spChg>
         <pc:spChg chg="add mod">
-          <ac:chgData name="Mochammad Irzan" userId="179137ea-2c9c-4136-bf34-44c697e89af7" providerId="ADAL" clId="{164DE0FF-35CD-824A-B85E-65074E272124}" dt="2021-09-06T04:27:29.272" v="87" actId="2085"/>
+          <ac:chgData name="Mochammad Irzan" userId="179137ea-2c9c-4136-bf34-44c697e89af7" providerId="ADAL" clId="{E2C6511C-21B9-A644-80A6-7A859ECD22E6}" dt="2022-06-02T12:58:46.792" v="123" actId="1076"/>
           <ac:spMkLst>
             <pc:docMk/>
-            <pc:sldMk cId="3101924204" sldId="338"/>
-            <ac:spMk id="12" creationId="{10C49495-4C3A-7148-9A0F-0F51D4F78D90}"/>
+            <pc:sldMk cId="2441992710" sldId="351"/>
+            <ac:spMk id="6" creationId="{CDFAC6B9-9E42-A071-0033-6E90CA6246B0}"/>
           </ac:spMkLst>
         </pc:spChg>
         <pc:spChg chg="add mod">
-          <ac:chgData name="Mochammad Irzan" userId="179137ea-2c9c-4136-bf34-44c697e89af7" providerId="ADAL" clId="{164DE0FF-35CD-824A-B85E-65074E272124}" dt="2021-09-06T04:32:36.053" v="167" actId="14100"/>
+          <ac:chgData name="Mochammad Irzan" userId="179137ea-2c9c-4136-bf34-44c697e89af7" providerId="ADAL" clId="{E2C6511C-21B9-A644-80A6-7A859ECD22E6}" dt="2022-06-02T12:58:46.792" v="123" actId="1076"/>
           <ac:spMkLst>
             <pc:docMk/>
-            <pc:sldMk cId="3101924204" sldId="338"/>
-            <ac:spMk id="16" creationId="{F4EC7D0C-1498-7C46-BE02-AFAAC16C9B72}"/>
+            <pc:sldMk cId="2441992710" sldId="351"/>
+            <ac:spMk id="7" creationId="{1D9BAC30-D61F-5A6B-6653-832EFC91863D}"/>
           </ac:spMkLst>
         </pc:spChg>
         <pc:spChg chg="add mod">
-          <ac:chgData name="Mochammad Irzan" userId="179137ea-2c9c-4136-bf34-44c697e89af7" providerId="ADAL" clId="{164DE0FF-35CD-824A-B85E-65074E272124}" dt="2021-09-06T04:31:02.302" v="125" actId="1076"/>
+          <ac:chgData name="Mochammad Irzan" userId="179137ea-2c9c-4136-bf34-44c697e89af7" providerId="ADAL" clId="{E2C6511C-21B9-A644-80A6-7A859ECD22E6}" dt="2022-06-02T12:58:46.792" v="123" actId="1076"/>
           <ac:spMkLst>
             <pc:docMk/>
-            <pc:sldMk cId="3101924204" sldId="338"/>
-            <ac:spMk id="19" creationId="{0501E995-2AA5-BB47-8948-8D71DDC7797C}"/>
+            <pc:sldMk cId="2441992710" sldId="351"/>
+            <ac:spMk id="8" creationId="{DC2B6E6F-8AEC-8D60-A73C-7B0D9A923959}"/>
+          </ac:spMkLst>
+        </pc:spChg>
+        <pc:spChg chg="add del mod">
+          <ac:chgData name="Mochammad Irzan" userId="179137ea-2c9c-4136-bf34-44c697e89af7" providerId="ADAL" clId="{E2C6511C-21B9-A644-80A6-7A859ECD22E6}" dt="2022-06-02T12:51:08.290" v="75" actId="478"/>
+          <ac:spMkLst>
+            <pc:docMk/>
+            <pc:sldMk cId="2441992710" sldId="351"/>
+            <ac:spMk id="9" creationId="{EECFB73B-1857-7299-B9BF-1CE89B1A8049}"/>
           </ac:spMkLst>
         </pc:spChg>
         <pc:spChg chg="add mod">
-          <ac:chgData name="Mochammad Irzan" userId="179137ea-2c9c-4136-bf34-44c697e89af7" providerId="ADAL" clId="{164DE0FF-35CD-824A-B85E-65074E272124}" dt="2021-09-06T04:31:02.302" v="125" actId="1076"/>
+          <ac:chgData name="Mochammad Irzan" userId="179137ea-2c9c-4136-bf34-44c697e89af7" providerId="ADAL" clId="{E2C6511C-21B9-A644-80A6-7A859ECD22E6}" dt="2022-06-02T12:58:46.792" v="123" actId="1076"/>
           <ac:spMkLst>
             <pc:docMk/>
-            <pc:sldMk cId="3101924204" sldId="338"/>
-            <ac:spMk id="20" creationId="{13A768D3-AE11-354A-92CB-DA0FC82B0809}"/>
+            <pc:sldMk cId="2441992710" sldId="351"/>
+            <ac:spMk id="10" creationId="{E0E42733-CCC8-A477-B501-55971A409D18}"/>
           </ac:spMkLst>
         </pc:spChg>
         <pc:spChg chg="add mod">
-          <ac:chgData name="Mochammad Irzan" userId="179137ea-2c9c-4136-bf34-44c697e89af7" providerId="ADAL" clId="{164DE0FF-35CD-824A-B85E-65074E272124}" dt="2021-09-06T04:31:02.302" v="125" actId="1076"/>
+          <ac:chgData name="Mochammad Irzan" userId="179137ea-2c9c-4136-bf34-44c697e89af7" providerId="ADAL" clId="{E2C6511C-21B9-A644-80A6-7A859ECD22E6}" dt="2022-06-02T12:59:13.142" v="133" actId="1076"/>
           <ac:spMkLst>
             <pc:docMk/>
-            <pc:sldMk cId="3101924204" sldId="338"/>
-            <ac:spMk id="21" creationId="{E5BA6863-DB07-0245-9B1D-64B1D4B5EDFE}"/>
+            <pc:sldMk cId="2441992710" sldId="351"/>
+            <ac:spMk id="43" creationId="{A619BCC5-7B89-CE9A-A8A2-FDD5234A1CC7}"/>
           </ac:spMkLst>
         </pc:spChg>
         <pc:spChg chg="add mod">
-          <ac:chgData name="Mochammad Irzan" userId="179137ea-2c9c-4136-bf34-44c697e89af7" providerId="ADAL" clId="{164DE0FF-35CD-824A-B85E-65074E272124}" dt="2021-09-06T04:31:48.546" v="138" actId="20577"/>
+          <ac:chgData name="Mochammad Irzan" userId="179137ea-2c9c-4136-bf34-44c697e89af7" providerId="ADAL" clId="{E2C6511C-21B9-A644-80A6-7A859ECD22E6}" dt="2022-06-02T13:03:39.875" v="169" actId="1076"/>
           <ac:spMkLst>
             <pc:docMk/>
-            <pc:sldMk cId="3101924204" sldId="338"/>
-            <ac:spMk id="31" creationId="{AF20A5D2-594A-EC4B-B40B-84BB1D1DF851}"/>
+            <pc:sldMk cId="2441992710" sldId="351"/>
+            <ac:spMk id="48" creationId="{9B781BF1-CD1F-2AA4-E8F8-E283D9214382}"/>
           </ac:spMkLst>
         </pc:spChg>
         <pc:spChg chg="add mod">
-          <ac:chgData name="Mochammad Irzan" userId="179137ea-2c9c-4136-bf34-44c697e89af7" providerId="ADAL" clId="{164DE0FF-35CD-824A-B85E-65074E272124}" dt="2021-09-06T04:32:04.643" v="154" actId="1076"/>
+          <ac:chgData name="Mochammad Irzan" userId="179137ea-2c9c-4136-bf34-44c697e89af7" providerId="ADAL" clId="{E2C6511C-21B9-A644-80A6-7A859ECD22E6}" dt="2022-06-02T13:03:46.920" v="179" actId="20577"/>
           <ac:spMkLst>
             <pc:docMk/>
-            <pc:sldMk cId="3101924204" sldId="338"/>
-            <ac:spMk id="33" creationId="{F4086198-967C-6244-968F-ED555D299790}"/>
+            <pc:sldMk cId="2441992710" sldId="351"/>
+            <ac:spMk id="49" creationId="{96069776-4464-1349-BAC1-8645528A70E0}"/>
           </ac:spMkLst>
         </pc:spChg>
         <pc:spChg chg="add mod">
-          <ac:chgData name="Mochammad Irzan" userId="179137ea-2c9c-4136-bf34-44c697e89af7" providerId="ADAL" clId="{164DE0FF-35CD-824A-B85E-65074E272124}" dt="2021-09-06T04:32:18.814" v="158" actId="20577"/>
+          <ac:chgData name="Mochammad Irzan" userId="179137ea-2c9c-4136-bf34-44c697e89af7" providerId="ADAL" clId="{E2C6511C-21B9-A644-80A6-7A859ECD22E6}" dt="2022-06-02T13:04:04.992" v="198" actId="14100"/>
           <ac:spMkLst>
             <pc:docMk/>
-            <pc:sldMk cId="3101924204" sldId="338"/>
-            <ac:spMk id="34" creationId="{64065E16-240D-8F44-A38E-98990315DBFA}"/>
+            <pc:sldMk cId="2441992710" sldId="351"/>
+            <ac:spMk id="50" creationId="{C8A21D3B-6E24-F7CB-BBDE-75393BBD3083}"/>
           </ac:spMkLst>
         </pc:spChg>
         <pc:spChg chg="add mod">
-          <ac:chgData name="Mochammad Irzan" userId="179137ea-2c9c-4136-bf34-44c697e89af7" providerId="ADAL" clId="{164DE0FF-35CD-824A-B85E-65074E272124}" dt="2021-09-06T04:32:24.879" v="162" actId="20577"/>
+          <ac:chgData name="Mochammad Irzan" userId="179137ea-2c9c-4136-bf34-44c697e89af7" providerId="ADAL" clId="{E2C6511C-21B9-A644-80A6-7A859ECD22E6}" dt="2022-06-02T13:04:14.901" v="216" actId="20577"/>
           <ac:spMkLst>
             <pc:docMk/>
-            <pc:sldMk cId="3101924204" sldId="338"/>
-            <ac:spMk id="35" creationId="{CAC8BA43-5DF1-164A-8A66-AE15A2F31A5E}"/>
+            <pc:sldMk cId="2441992710" sldId="351"/>
+            <ac:spMk id="51" creationId="{8287AFBD-016C-6568-C0F8-E0037E6D16AF}"/>
           </ac:spMkLst>
         </pc:spChg>
         <pc:spChg chg="add mod">
-          <ac:chgData name="Mochammad Irzan" userId="179137ea-2c9c-4136-bf34-44c697e89af7" providerId="ADAL" clId="{164DE0FF-35CD-824A-B85E-65074E272124}" dt="2021-09-06T04:32:31.321" v="166" actId="20577"/>
+          <ac:chgData name="Mochammad Irzan" userId="179137ea-2c9c-4136-bf34-44c697e89af7" providerId="ADAL" clId="{E2C6511C-21B9-A644-80A6-7A859ECD22E6}" dt="2022-06-02T13:10:50.081" v="241" actId="207"/>
           <ac:spMkLst>
             <pc:docMk/>
-            <pc:sldMk cId="3101924204" sldId="338"/>
-            <ac:spMk id="36" creationId="{9704C6C8-A281-A847-BCD9-2DBF227D461A}"/>
+            <pc:sldMk cId="2441992710" sldId="351"/>
+            <ac:spMk id="61" creationId="{CE594B21-A695-A142-C9A2-FB7A79F99E38}"/>
           </ac:spMkLst>
         </pc:spChg>
         <pc:spChg chg="add mod">
-          <ac:chgData name="Mochammad Irzan" userId="179137ea-2c9c-4136-bf34-44c697e89af7" providerId="ADAL" clId="{164DE0FF-35CD-824A-B85E-65074E272124}" dt="2021-09-06T04:37:19.880" v="275" actId="166"/>
+          <ac:chgData name="Mochammad Irzan" userId="179137ea-2c9c-4136-bf34-44c697e89af7" providerId="ADAL" clId="{E2C6511C-21B9-A644-80A6-7A859ECD22E6}" dt="2022-06-02T13:10:50.081" v="241" actId="207"/>
           <ac:spMkLst>
             <pc:docMk/>
-            <pc:sldMk cId="3101924204" sldId="338"/>
-            <ac:spMk id="59" creationId="{A7111868-8097-B74F-813B-38717296664B}"/>
+            <pc:sldMk cId="2441992710" sldId="351"/>
+            <ac:spMk id="62" creationId="{FECDDE19-81ED-6973-23D2-F9CA9640C453}"/>
           </ac:spMkLst>
         </pc:spChg>
         <pc:spChg chg="add mod">
-          <ac:chgData name="Mochammad Irzan" userId="179137ea-2c9c-4136-bf34-44c697e89af7" providerId="ADAL" clId="{164DE0FF-35CD-824A-B85E-65074E272124}" dt="2021-09-06T04:37:19.880" v="275" actId="166"/>
+          <ac:chgData name="Mochammad Irzan" userId="179137ea-2c9c-4136-bf34-44c697e89af7" providerId="ADAL" clId="{E2C6511C-21B9-A644-80A6-7A859ECD22E6}" dt="2022-06-02T13:11:10.637" v="256" actId="1076"/>
           <ac:spMkLst>
             <pc:docMk/>
-            <pc:sldMk cId="3101924204" sldId="338"/>
-            <ac:spMk id="60" creationId="{42EFE04A-8770-8D4C-A30B-4B09E10C0C7B}"/>
-          </ac:spMkLst>
-        </pc:spChg>
-        <pc:spChg chg="add mod">
-          <ac:chgData name="Mochammad Irzan" userId="179137ea-2c9c-4136-bf34-44c697e89af7" providerId="ADAL" clId="{164DE0FF-35CD-824A-B85E-65074E272124}" dt="2021-09-06T04:35:39.645" v="246" actId="1076"/>
-          <ac:spMkLst>
-            <pc:docMk/>
-            <pc:sldMk cId="3101924204" sldId="338"/>
-            <ac:spMk id="85" creationId="{FFDA212A-264E-EF45-909A-0BED4D949021}"/>
-          </ac:spMkLst>
-        </pc:spChg>
-        <pc:spChg chg="add mod">
-          <ac:chgData name="Mochammad Irzan" userId="179137ea-2c9c-4136-bf34-44c697e89af7" providerId="ADAL" clId="{164DE0FF-35CD-824A-B85E-65074E272124}" dt="2021-09-06T04:36:31.886" v="263" actId="207"/>
-          <ac:spMkLst>
-            <pc:docMk/>
-            <pc:sldMk cId="3101924204" sldId="338"/>
-            <ac:spMk id="94" creationId="{5CAEB4AA-C217-5442-9C3D-D13BFFE4749F}"/>
+            <pc:sldMk cId="2441992710" sldId="351"/>
+            <ac:spMk id="63" creationId="{496C03F1-7372-8F5D-1738-9D374E9DDF7F}"/>
           </ac:spMkLst>
         </pc:spChg>
         <pc:cxnChg chg="add mod">
-          <ac:chgData name="Mochammad Irzan" userId="179137ea-2c9c-4136-bf34-44c697e89af7" providerId="ADAL" clId="{164DE0FF-35CD-824A-B85E-65074E272124}" dt="2021-09-06T04:22:00.477" v="59" actId="1582"/>
+          <ac:chgData name="Mochammad Irzan" userId="179137ea-2c9c-4136-bf34-44c697e89af7" providerId="ADAL" clId="{E2C6511C-21B9-A644-80A6-7A859ECD22E6}" dt="2022-06-02T12:58:46.792" v="123" actId="1076"/>
           <ac:cxnSpMkLst>
             <pc:docMk/>
-            <pc:sldMk cId="3101924204" sldId="338"/>
-            <ac:cxnSpMk id="6" creationId="{3323EC21-94F3-554F-84CA-9B99FF8D0EF8}"/>
+            <pc:sldMk cId="2441992710" sldId="351"/>
+            <ac:cxnSpMk id="12" creationId="{37516A88-0725-30AF-9C10-7C1CED7DA88B}"/>
           </ac:cxnSpMkLst>
         </pc:cxnChg>
         <pc:cxnChg chg="add mod">
-          <ac:chgData name="Mochammad Irzan" userId="179137ea-2c9c-4136-bf34-44c697e89af7" providerId="ADAL" clId="{164DE0FF-35CD-824A-B85E-65074E272124}" dt="2021-09-06T04:22:36.929" v="80" actId="1076"/>
+          <ac:chgData name="Mochammad Irzan" userId="179137ea-2c9c-4136-bf34-44c697e89af7" providerId="ADAL" clId="{E2C6511C-21B9-A644-80A6-7A859ECD22E6}" dt="2022-06-02T12:58:46.792" v="123" actId="1076"/>
           <ac:cxnSpMkLst>
             <pc:docMk/>
-            <pc:sldMk cId="3101924204" sldId="338"/>
-            <ac:cxnSpMk id="8" creationId="{31D409A0-744A-0A4A-B4BA-733F776C84F6}"/>
+            <pc:sldMk cId="2441992710" sldId="351"/>
+            <ac:cxnSpMk id="13" creationId="{762EB2B3-E2E0-6299-6611-731E86B675DA}"/>
           </ac:cxnSpMkLst>
         </pc:cxnChg>
         <pc:cxnChg chg="add mod">
-          <ac:chgData name="Mochammad Irzan" userId="179137ea-2c9c-4136-bf34-44c697e89af7" providerId="ADAL" clId="{164DE0FF-35CD-824A-B85E-65074E272124}" dt="2021-09-06T04:28:39.417" v="90" actId="14100"/>
+          <ac:chgData name="Mochammad Irzan" userId="179137ea-2c9c-4136-bf34-44c697e89af7" providerId="ADAL" clId="{E2C6511C-21B9-A644-80A6-7A859ECD22E6}" dt="2022-06-02T12:58:46.792" v="123" actId="1076"/>
           <ac:cxnSpMkLst>
             <pc:docMk/>
-            <pc:sldMk cId="3101924204" sldId="338"/>
-            <ac:cxnSpMk id="13" creationId="{D7F912FB-FAAB-7B48-B092-4DA23203D170}"/>
+            <pc:sldMk cId="2441992710" sldId="351"/>
+            <ac:cxnSpMk id="16" creationId="{F3458775-BA77-3D3A-31AE-019C4147B912}"/>
           </ac:cxnSpMkLst>
         </pc:cxnChg>
         <pc:cxnChg chg="add mod">
-          <ac:chgData name="Mochammad Irzan" userId="179137ea-2c9c-4136-bf34-44c697e89af7" providerId="ADAL" clId="{164DE0FF-35CD-824A-B85E-65074E272124}" dt="2021-09-06T04:37:13.537" v="274" actId="693"/>
+          <ac:chgData name="Mochammad Irzan" userId="179137ea-2c9c-4136-bf34-44c697e89af7" providerId="ADAL" clId="{E2C6511C-21B9-A644-80A6-7A859ECD22E6}" dt="2022-06-02T12:58:46.792" v="123" actId="1076"/>
           <ac:cxnSpMkLst>
             <pc:docMk/>
-            <pc:sldMk cId="3101924204" sldId="338"/>
-            <ac:cxnSpMk id="18" creationId="{102FE563-5D18-7441-9A6A-E1F3D39798D4}"/>
+            <pc:sldMk cId="2441992710" sldId="351"/>
+            <ac:cxnSpMk id="20" creationId="{819E0863-14FB-14A8-A505-DD6EF39C9654}"/>
+          </ac:cxnSpMkLst>
+        </pc:cxnChg>
+        <pc:cxnChg chg="add del mod">
+          <ac:chgData name="Mochammad Irzan" userId="179137ea-2c9c-4136-bf34-44c697e89af7" providerId="ADAL" clId="{E2C6511C-21B9-A644-80A6-7A859ECD22E6}" dt="2022-06-02T12:52:37.924" v="100" actId="478"/>
+          <ac:cxnSpMkLst>
+            <pc:docMk/>
+            <pc:sldMk cId="2441992710" sldId="351"/>
+            <ac:cxnSpMk id="22" creationId="{A85817E2-E8CD-3792-1590-FFC3C77B8018}"/>
           </ac:cxnSpMkLst>
         </pc:cxnChg>
         <pc:cxnChg chg="add mod">
-          <ac:chgData name="Mochammad Irzan" userId="179137ea-2c9c-4136-bf34-44c697e89af7" providerId="ADAL" clId="{164DE0FF-35CD-824A-B85E-65074E272124}" dt="2021-09-06T04:37:13.537" v="274" actId="693"/>
+          <ac:chgData name="Mochammad Irzan" userId="179137ea-2c9c-4136-bf34-44c697e89af7" providerId="ADAL" clId="{E2C6511C-21B9-A644-80A6-7A859ECD22E6}" dt="2022-06-02T12:58:46.792" v="123" actId="1076"/>
           <ac:cxnSpMkLst>
             <pc:docMk/>
-            <pc:sldMk cId="3101924204" sldId="338"/>
-            <ac:cxnSpMk id="22" creationId="{C03B4FD3-5961-DB46-BB75-02B0E7B6E0A1}"/>
+            <pc:sldMk cId="2441992710" sldId="351"/>
+            <ac:cxnSpMk id="23" creationId="{3F9A5EE6-1BF6-5E0C-0695-8CECB64C7136}"/>
           </ac:cxnSpMkLst>
         </pc:cxnChg>
         <pc:cxnChg chg="add mod">
-          <ac:chgData name="Mochammad Irzan" userId="179137ea-2c9c-4136-bf34-44c697e89af7" providerId="ADAL" clId="{164DE0FF-35CD-824A-B85E-65074E272124}" dt="2021-09-06T04:37:13.537" v="274" actId="693"/>
+          <ac:chgData name="Mochammad Irzan" userId="179137ea-2c9c-4136-bf34-44c697e89af7" providerId="ADAL" clId="{E2C6511C-21B9-A644-80A6-7A859ECD22E6}" dt="2022-06-02T12:58:46.792" v="123" actId="1076"/>
           <ac:cxnSpMkLst>
             <pc:docMk/>
-            <pc:sldMk cId="3101924204" sldId="338"/>
-            <ac:cxnSpMk id="25" creationId="{1CAE77D0-DFC4-D447-8EB3-FA06FD188D05}"/>
+            <pc:sldMk cId="2441992710" sldId="351"/>
+            <ac:cxnSpMk id="32" creationId="{A492B101-44C3-6A2B-0432-00DE8AA00A5E}"/>
           </ac:cxnSpMkLst>
         </pc:cxnChg>
         <pc:cxnChg chg="add mod">
-          <ac:chgData name="Mochammad Irzan" userId="179137ea-2c9c-4136-bf34-44c697e89af7" providerId="ADAL" clId="{164DE0FF-35CD-824A-B85E-65074E272124}" dt="2021-09-06T04:37:13.537" v="274" actId="693"/>
+          <ac:chgData name="Mochammad Irzan" userId="179137ea-2c9c-4136-bf34-44c697e89af7" providerId="ADAL" clId="{E2C6511C-21B9-A644-80A6-7A859ECD22E6}" dt="2022-06-02T12:58:46.792" v="123" actId="1076"/>
           <ac:cxnSpMkLst>
             <pc:docMk/>
-            <pc:sldMk cId="3101924204" sldId="338"/>
-            <ac:cxnSpMk id="28" creationId="{11610524-A1E5-4640-AB5B-83A804D8B9FF}"/>
+            <pc:sldMk cId="2441992710" sldId="351"/>
+            <ac:cxnSpMk id="37" creationId="{B1603E43-9BC0-B5B1-D8F4-07D7F0C24A8B}"/>
           </ac:cxnSpMkLst>
         </pc:cxnChg>
         <pc:cxnChg chg="add mod">
-          <ac:chgData name="Mochammad Irzan" userId="179137ea-2c9c-4136-bf34-44c697e89af7" providerId="ADAL" clId="{164DE0FF-35CD-824A-B85E-65074E272124}" dt="2021-09-06T04:37:13.537" v="274" actId="693"/>
+          <ac:chgData name="Mochammad Irzan" userId="179137ea-2c9c-4136-bf34-44c697e89af7" providerId="ADAL" clId="{E2C6511C-21B9-A644-80A6-7A859ECD22E6}" dt="2022-06-02T12:58:46.792" v="123" actId="1076"/>
           <ac:cxnSpMkLst>
             <pc:docMk/>
-            <pc:sldMk cId="3101924204" sldId="338"/>
-            <ac:cxnSpMk id="32" creationId="{1B3D19BB-ADC5-0049-9A37-6E80262804F8}"/>
-          </ac:cxnSpMkLst>
-        </pc:cxnChg>
-        <pc:cxnChg chg="add del mod">
-          <ac:chgData name="Mochammad Irzan" userId="179137ea-2c9c-4136-bf34-44c697e89af7" providerId="ADAL" clId="{164DE0FF-35CD-824A-B85E-65074E272124}" dt="2021-09-06T04:33:28.145" v="178" actId="478"/>
-          <ac:cxnSpMkLst>
-            <pc:docMk/>
-            <pc:sldMk cId="3101924204" sldId="338"/>
-            <ac:cxnSpMk id="38" creationId="{AE72295D-981F-494A-B107-02F98083897A}"/>
+            <pc:sldMk cId="2441992710" sldId="351"/>
+            <ac:cxnSpMk id="40" creationId="{C1AA2991-89D7-800B-E9CC-AAD1E71F0EE4}"/>
           </ac:cxnSpMkLst>
         </pc:cxnChg>
         <pc:cxnChg chg="add mod">
-          <ac:chgData name="Mochammad Irzan" userId="179137ea-2c9c-4136-bf34-44c697e89af7" providerId="ADAL" clId="{164DE0FF-35CD-824A-B85E-65074E272124}" dt="2021-09-06T04:37:13.537" v="274" actId="693"/>
+          <ac:chgData name="Mochammad Irzan" userId="179137ea-2c9c-4136-bf34-44c697e89af7" providerId="ADAL" clId="{E2C6511C-21B9-A644-80A6-7A859ECD22E6}" dt="2022-06-02T13:03:15.240" v="136" actId="167"/>
           <ac:cxnSpMkLst>
             <pc:docMk/>
-            <pc:sldMk cId="3101924204" sldId="338"/>
-            <ac:cxnSpMk id="41" creationId="{69D8DC61-62A3-0044-A74E-6D5AEDCB3144}"/>
-          </ac:cxnSpMkLst>
-        </pc:cxnChg>
-        <pc:cxnChg chg="add del mod">
-          <ac:chgData name="Mochammad Irzan" userId="179137ea-2c9c-4136-bf34-44c697e89af7" providerId="ADAL" clId="{164DE0FF-35CD-824A-B85E-65074E272124}" dt="2021-09-06T04:33:12.015" v="176" actId="478"/>
-          <ac:cxnSpMkLst>
-            <pc:docMk/>
-            <pc:sldMk cId="3101924204" sldId="338"/>
-            <ac:cxnSpMk id="44" creationId="{3F3CE1F9-CC41-4242-B07F-A3CD76FEC325}"/>
+            <pc:sldMk cId="2441992710" sldId="351"/>
+            <ac:cxnSpMk id="45" creationId="{D521C901-88C6-CC2F-3346-02B3D2C4EBF3}"/>
           </ac:cxnSpMkLst>
         </pc:cxnChg>
         <pc:cxnChg chg="add mod">
-          <ac:chgData name="Mochammad Irzan" userId="179137ea-2c9c-4136-bf34-44c697e89af7" providerId="ADAL" clId="{164DE0FF-35CD-824A-B85E-65074E272124}" dt="2021-09-06T04:33:48.913" v="183" actId="14100"/>
+          <ac:chgData name="Mochammad Irzan" userId="179137ea-2c9c-4136-bf34-44c697e89af7" providerId="ADAL" clId="{E2C6511C-21B9-A644-80A6-7A859ECD22E6}" dt="2022-06-02T13:03:27.293" v="139" actId="14100"/>
           <ac:cxnSpMkLst>
             <pc:docMk/>
-            <pc:sldMk cId="3101924204" sldId="338"/>
-            <ac:cxnSpMk id="47" creationId="{2BDF29EB-EF69-4649-ADB1-3004F7566175}"/>
+            <pc:sldMk cId="2441992710" sldId="351"/>
+            <ac:cxnSpMk id="46" creationId="{8A81D3B8-A05F-8A74-A40B-FCB24A1E285C}"/>
           </ac:cxnSpMkLst>
         </pc:cxnChg>
         <pc:cxnChg chg="add mod">
-          <ac:chgData name="Mochammad Irzan" userId="179137ea-2c9c-4136-bf34-44c697e89af7" providerId="ADAL" clId="{164DE0FF-35CD-824A-B85E-65074E272124}" dt="2021-09-06T04:33:53.508" v="186" actId="14100"/>
+          <ac:chgData name="Mochammad Irzan" userId="179137ea-2c9c-4136-bf34-44c697e89af7" providerId="ADAL" clId="{E2C6511C-21B9-A644-80A6-7A859ECD22E6}" dt="2022-06-02T13:04:25.884" v="219" actId="14100"/>
           <ac:cxnSpMkLst>
             <pc:docMk/>
-            <pc:sldMk cId="3101924204" sldId="338"/>
-            <ac:cxnSpMk id="50" creationId="{CE2026D8-AE31-9449-B5E2-B40A70713FB2}"/>
+            <pc:sldMk cId="2441992710" sldId="351"/>
+            <ac:cxnSpMk id="52" creationId="{37D7C190-36A4-C9F3-2070-302BA6B0D08C}"/>
           </ac:cxnSpMkLst>
         </pc:cxnChg>
         <pc:cxnChg chg="add mod">
-          <ac:chgData name="Mochammad Irzan" userId="179137ea-2c9c-4136-bf34-44c697e89af7" providerId="ADAL" clId="{164DE0FF-35CD-824A-B85E-65074E272124}" dt="2021-09-06T04:34:02.348" v="189" actId="14100"/>
+          <ac:chgData name="Mochammad Irzan" userId="179137ea-2c9c-4136-bf34-44c697e89af7" providerId="ADAL" clId="{E2C6511C-21B9-A644-80A6-7A859ECD22E6}" dt="2022-06-02T13:04:33.713" v="222" actId="14100"/>
           <ac:cxnSpMkLst>
             <pc:docMk/>
-            <pc:sldMk cId="3101924204" sldId="338"/>
-            <ac:cxnSpMk id="53" creationId="{1C31DAAD-DBC1-E44A-8BC2-335F3121594C}"/>
+            <pc:sldMk cId="2441992710" sldId="351"/>
+            <ac:cxnSpMk id="55" creationId="{B6F2CDED-B2A4-3C76-2137-79763438809A}"/>
           </ac:cxnSpMkLst>
         </pc:cxnChg>
         <pc:cxnChg chg="add mod">
-          <ac:chgData name="Mochammad Irzan" userId="179137ea-2c9c-4136-bf34-44c697e89af7" providerId="ADAL" clId="{164DE0FF-35CD-824A-B85E-65074E272124}" dt="2021-09-06T04:34:08.113" v="192" actId="14100"/>
+          <ac:chgData name="Mochammad Irzan" userId="179137ea-2c9c-4136-bf34-44c697e89af7" providerId="ADAL" clId="{E2C6511C-21B9-A644-80A6-7A859ECD22E6}" dt="2022-06-02T13:04:48.160" v="225" actId="14100"/>
           <ac:cxnSpMkLst>
             <pc:docMk/>
-            <pc:sldMk cId="3101924204" sldId="338"/>
-            <ac:cxnSpMk id="56" creationId="{CE49C4AC-5B72-F248-8879-B1664D8D1B84}"/>
-          </ac:cxnSpMkLst>
-        </pc:cxnChg>
-        <pc:cxnChg chg="add mod">
-          <ac:chgData name="Mochammad Irzan" userId="179137ea-2c9c-4136-bf34-44c697e89af7" providerId="ADAL" clId="{164DE0FF-35CD-824A-B85E-65074E272124}" dt="2021-09-06T04:34:40.936" v="214" actId="14100"/>
-          <ac:cxnSpMkLst>
-            <pc:docMk/>
-            <pc:sldMk cId="3101924204" sldId="338"/>
-            <ac:cxnSpMk id="61" creationId="{394A6B15-E95A-B24A-8CC1-93E5F6B2110F}"/>
-          </ac:cxnSpMkLst>
-        </pc:cxnChg>
-        <pc:cxnChg chg="add mod">
-          <ac:chgData name="Mochammad Irzan" userId="179137ea-2c9c-4136-bf34-44c697e89af7" providerId="ADAL" clId="{164DE0FF-35CD-824A-B85E-65074E272124}" dt="2021-09-06T04:34:46.210" v="217" actId="14100"/>
-          <ac:cxnSpMkLst>
-            <pc:docMk/>
-            <pc:sldMk cId="3101924204" sldId="338"/>
-            <ac:cxnSpMk id="64" creationId="{BF47EE42-AC4F-8C47-8D41-932CBAA07732}"/>
-          </ac:cxnSpMkLst>
-        </pc:cxnChg>
-        <pc:cxnChg chg="add mod">
-          <ac:chgData name="Mochammad Irzan" userId="179137ea-2c9c-4136-bf34-44c697e89af7" providerId="ADAL" clId="{164DE0FF-35CD-824A-B85E-65074E272124}" dt="2021-09-06T04:34:51.715" v="220" actId="14100"/>
-          <ac:cxnSpMkLst>
-            <pc:docMk/>
-            <pc:sldMk cId="3101924204" sldId="338"/>
-            <ac:cxnSpMk id="67" creationId="{76B31A3E-63CE-CB45-9D4F-A597483590A2}"/>
-          </ac:cxnSpMkLst>
-        </pc:cxnChg>
-        <pc:cxnChg chg="add mod">
-          <ac:chgData name="Mochammad Irzan" userId="179137ea-2c9c-4136-bf34-44c697e89af7" providerId="ADAL" clId="{164DE0FF-35CD-824A-B85E-65074E272124}" dt="2021-09-06T04:34:56.431" v="223" actId="14100"/>
-          <ac:cxnSpMkLst>
-            <pc:docMk/>
-            <pc:sldMk cId="3101924204" sldId="338"/>
-            <ac:cxnSpMk id="70" creationId="{13859073-D5BC-8143-BB2F-55F229B3B8AD}"/>
-          </ac:cxnSpMkLst>
-        </pc:cxnChg>
-        <pc:cxnChg chg="add mod">
-          <ac:chgData name="Mochammad Irzan" userId="179137ea-2c9c-4136-bf34-44c697e89af7" providerId="ADAL" clId="{164DE0FF-35CD-824A-B85E-65074E272124}" dt="2021-09-06T04:35:01.861" v="226" actId="14100"/>
-          <ac:cxnSpMkLst>
-            <pc:docMk/>
-            <pc:sldMk cId="3101924204" sldId="338"/>
-            <ac:cxnSpMk id="73" creationId="{3CB0E325-9C0A-2046-B782-210C49DEDE54}"/>
-          </ac:cxnSpMkLst>
-        </pc:cxnChg>
-        <pc:cxnChg chg="add mod">
-          <ac:chgData name="Mochammad Irzan" userId="179137ea-2c9c-4136-bf34-44c697e89af7" providerId="ADAL" clId="{164DE0FF-35CD-824A-B85E-65074E272124}" dt="2021-09-06T04:35:07.265" v="229" actId="14100"/>
-          <ac:cxnSpMkLst>
-            <pc:docMk/>
-            <pc:sldMk cId="3101924204" sldId="338"/>
-            <ac:cxnSpMk id="76" creationId="{F166FA55-C8CE-CF4F-81D2-31045FF5CB9A}"/>
-          </ac:cxnSpMkLst>
-        </pc:cxnChg>
-        <pc:cxnChg chg="add mod">
-          <ac:chgData name="Mochammad Irzan" userId="179137ea-2c9c-4136-bf34-44c697e89af7" providerId="ADAL" clId="{164DE0FF-35CD-824A-B85E-65074E272124}" dt="2021-09-06T04:35:12.714" v="232" actId="14100"/>
-          <ac:cxnSpMkLst>
-            <pc:docMk/>
-            <pc:sldMk cId="3101924204" sldId="338"/>
-            <ac:cxnSpMk id="79" creationId="{D561E1B8-F0E9-F44A-95CF-240B78ACDD75}"/>
-          </ac:cxnSpMkLst>
-        </pc:cxnChg>
-        <pc:cxnChg chg="add mod">
-          <ac:chgData name="Mochammad Irzan" userId="179137ea-2c9c-4136-bf34-44c697e89af7" providerId="ADAL" clId="{164DE0FF-35CD-824A-B85E-65074E272124}" dt="2021-09-06T04:35:17.766" v="235" actId="14100"/>
-          <ac:cxnSpMkLst>
-            <pc:docMk/>
-            <pc:sldMk cId="3101924204" sldId="338"/>
-            <ac:cxnSpMk id="82" creationId="{EB58DA04-0E40-6944-9875-F7900CF00D6F}"/>
-          </ac:cxnSpMkLst>
-        </pc:cxnChg>
-        <pc:cxnChg chg="add mod">
-          <ac:chgData name="Mochammad Irzan" userId="179137ea-2c9c-4136-bf34-44c697e89af7" providerId="ADAL" clId="{164DE0FF-35CD-824A-B85E-65074E272124}" dt="2021-09-06T04:35:39.645" v="246" actId="1076"/>
-          <ac:cxnSpMkLst>
-            <pc:docMk/>
-            <pc:sldMk cId="3101924204" sldId="338"/>
-            <ac:cxnSpMk id="86" creationId="{A05C7998-B71A-3B48-8DE5-45C280E5BCC2}"/>
-          </ac:cxnSpMkLst>
-        </pc:cxnChg>
-        <pc:cxnChg chg="add mod">
-          <ac:chgData name="Mochammad Irzan" userId="179137ea-2c9c-4136-bf34-44c697e89af7" providerId="ADAL" clId="{164DE0FF-35CD-824A-B85E-65074E272124}" dt="2021-09-06T04:35:39.645" v="246" actId="1076"/>
-          <ac:cxnSpMkLst>
-            <pc:docMk/>
-            <pc:sldMk cId="3101924204" sldId="338"/>
-            <ac:cxnSpMk id="89" creationId="{076A8CD7-6FE5-554F-9251-9A9A10420044}"/>
-          </ac:cxnSpMkLst>
-        </pc:cxnChg>
-        <pc:cxnChg chg="add mod">
-          <ac:chgData name="Mochammad Irzan" userId="179137ea-2c9c-4136-bf34-44c697e89af7" providerId="ADAL" clId="{164DE0FF-35CD-824A-B85E-65074E272124}" dt="2021-09-06T04:36:29.079" v="262" actId="1076"/>
-          <ac:cxnSpMkLst>
-            <pc:docMk/>
-            <pc:sldMk cId="3101924204" sldId="338"/>
-            <ac:cxnSpMk id="95" creationId="{B12021B0-2E26-B245-9F18-D7450368FE60}"/>
-          </ac:cxnSpMkLst>
-        </pc:cxnChg>
-        <pc:cxnChg chg="add mod">
-          <ac:chgData name="Mochammad Irzan" userId="179137ea-2c9c-4136-bf34-44c697e89af7" providerId="ADAL" clId="{164DE0FF-35CD-824A-B85E-65074E272124}" dt="2021-09-06T04:36:29.079" v="262" actId="1076"/>
-          <ac:cxnSpMkLst>
-            <pc:docMk/>
-            <pc:sldMk cId="3101924204" sldId="338"/>
-            <ac:cxnSpMk id="98" creationId="{C913E131-DF7B-0A41-852B-1C7008F18880}"/>
-          </ac:cxnSpMkLst>
-        </pc:cxnChg>
-        <pc:cxnChg chg="add mod">
-          <ac:chgData name="Mochammad Irzan" userId="179137ea-2c9c-4136-bf34-44c697e89af7" providerId="ADAL" clId="{164DE0FF-35CD-824A-B85E-65074E272124}" dt="2021-09-06T04:37:13.537" v="274" actId="693"/>
-          <ac:cxnSpMkLst>
-            <pc:docMk/>
-            <pc:sldMk cId="3101924204" sldId="338"/>
-            <ac:cxnSpMk id="103" creationId="{16F581AF-00B1-D744-BB42-8C3E64A2C9DC}"/>
-          </ac:cxnSpMkLst>
-        </pc:cxnChg>
-        <pc:cxnChg chg="add mod">
-          <ac:chgData name="Mochammad Irzan" userId="179137ea-2c9c-4136-bf34-44c697e89af7" providerId="ADAL" clId="{164DE0FF-35CD-824A-B85E-65074E272124}" dt="2021-09-06T04:37:13.537" v="274" actId="693"/>
-          <ac:cxnSpMkLst>
-            <pc:docMk/>
-            <pc:sldMk cId="3101924204" sldId="338"/>
-            <ac:cxnSpMk id="107" creationId="{6F627407-891C-6543-867F-F01717251A77}"/>
-          </ac:cxnSpMkLst>
-        </pc:cxnChg>
-        <pc:cxnChg chg="add mod">
-          <ac:chgData name="Mochammad Irzan" userId="179137ea-2c9c-4136-bf34-44c697e89af7" providerId="ADAL" clId="{164DE0FF-35CD-824A-B85E-65074E272124}" dt="2021-09-06T04:37:13.537" v="274" actId="693"/>
-          <ac:cxnSpMkLst>
-            <pc:docMk/>
-            <pc:sldMk cId="3101924204" sldId="338"/>
-            <ac:cxnSpMk id="110" creationId="{7D6B09EB-FBC2-8B4B-A74E-2C638ADC5D5D}"/>
+            <pc:sldMk cId="2441992710" sldId="351"/>
+            <ac:cxnSpMk id="58" creationId="{2890A90E-5AC0-48DE-106B-262FBF2350F0}"/>
           </ac:cxnSpMkLst>
         </pc:cxnChg>
       </pc:sldChg>
@@ -2918,270 +2919,6 @@
     </pc:docChg>
   </pc:docChgLst>
   <pc:docChgLst>
-    <pc:chgData name="Mochammad Irzan" userId="179137ea-2c9c-4136-bf34-44c697e89af7" providerId="ADAL" clId="{FA9EBB8C-8588-5446-83D3-FCC9D90709F5}"/>
-    <pc:docChg chg="custSel addSld modSld">
-      <pc:chgData name="Mochammad Irzan" userId="179137ea-2c9c-4136-bf34-44c697e89af7" providerId="ADAL" clId="{FA9EBB8C-8588-5446-83D3-FCC9D90709F5}" dt="2022-01-07T14:15:04.316" v="158" actId="20577"/>
-      <pc:docMkLst>
-        <pc:docMk/>
-      </pc:docMkLst>
-      <pc:sldChg chg="addSp modSp add mod">
-        <pc:chgData name="Mochammad Irzan" userId="179137ea-2c9c-4136-bf34-44c697e89af7" providerId="ADAL" clId="{FA9EBB8C-8588-5446-83D3-FCC9D90709F5}" dt="2022-01-07T14:15:04.316" v="158" actId="20577"/>
-        <pc:sldMkLst>
-          <pc:docMk/>
-          <pc:sldMk cId="1763538283" sldId="343"/>
-        </pc:sldMkLst>
-        <pc:spChg chg="mod">
-          <ac:chgData name="Mochammad Irzan" userId="179137ea-2c9c-4136-bf34-44c697e89af7" providerId="ADAL" clId="{FA9EBB8C-8588-5446-83D3-FCC9D90709F5}" dt="2022-01-07T14:11:32.416" v="16" actId="20577"/>
-          <ac:spMkLst>
-            <pc:docMk/>
-            <pc:sldMk cId="1763538283" sldId="343"/>
-            <ac:spMk id="2" creationId="{3F0E3409-D3D8-FA4B-84D1-DBCC5D8C1178}"/>
-          </ac:spMkLst>
-        </pc:spChg>
-        <pc:spChg chg="mod">
-          <ac:chgData name="Mochammad Irzan" userId="179137ea-2c9c-4136-bf34-44c697e89af7" providerId="ADAL" clId="{FA9EBB8C-8588-5446-83D3-FCC9D90709F5}" dt="2022-01-07T14:15:04.316" v="158" actId="20577"/>
-          <ac:spMkLst>
-            <pc:docMk/>
-            <pc:sldMk cId="1763538283" sldId="343"/>
-            <ac:spMk id="4" creationId="{79934BCB-150B-3948-8A44-2A52D3D44675}"/>
-          </ac:spMkLst>
-        </pc:spChg>
-        <pc:spChg chg="mod">
-          <ac:chgData name="Mochammad Irzan" userId="179137ea-2c9c-4136-bf34-44c697e89af7" providerId="ADAL" clId="{FA9EBB8C-8588-5446-83D3-FCC9D90709F5}" dt="2022-01-07T14:11:51.325" v="41" actId="1076"/>
-          <ac:spMkLst>
-            <pc:docMk/>
-            <pc:sldMk cId="1763538283" sldId="343"/>
-            <ac:spMk id="6" creationId="{0868FB46-DF25-D64A-9FC6-B97970050279}"/>
-          </ac:spMkLst>
-        </pc:spChg>
-        <pc:spChg chg="mod">
-          <ac:chgData name="Mochammad Irzan" userId="179137ea-2c9c-4136-bf34-44c697e89af7" providerId="ADAL" clId="{FA9EBB8C-8588-5446-83D3-FCC9D90709F5}" dt="2022-01-07T14:12:09.665" v="46" actId="1076"/>
-          <ac:spMkLst>
-            <pc:docMk/>
-            <pc:sldMk cId="1763538283" sldId="343"/>
-            <ac:spMk id="10" creationId="{0695F9A5-ECBD-B842-819C-A7F0D809FED9}"/>
-          </ac:spMkLst>
-        </pc:spChg>
-        <pc:spChg chg="mod">
-          <ac:chgData name="Mochammad Irzan" userId="179137ea-2c9c-4136-bf34-44c697e89af7" providerId="ADAL" clId="{FA9EBB8C-8588-5446-83D3-FCC9D90709F5}" dt="2022-01-07T14:11:38.324" v="24" actId="20577"/>
-          <ac:spMkLst>
-            <pc:docMk/>
-            <pc:sldMk cId="1763538283" sldId="343"/>
-            <ac:spMk id="16" creationId="{0D6221D8-54D1-1D47-A410-2308F42C195D}"/>
-          </ac:spMkLst>
-        </pc:spChg>
-        <pc:spChg chg="add mod">
-          <ac:chgData name="Mochammad Irzan" userId="179137ea-2c9c-4136-bf34-44c697e89af7" providerId="ADAL" clId="{FA9EBB8C-8588-5446-83D3-FCC9D90709F5}" dt="2022-01-07T14:12:56.304" v="80" actId="1076"/>
-          <ac:spMkLst>
-            <pc:docMk/>
-            <pc:sldMk cId="1763538283" sldId="343"/>
-            <ac:spMk id="32" creationId="{51DE5E7A-B8F8-8347-A6E9-92A75920B9C0}"/>
-          </ac:spMkLst>
-        </pc:spChg>
-        <pc:spChg chg="add mod">
-          <ac:chgData name="Mochammad Irzan" userId="179137ea-2c9c-4136-bf34-44c697e89af7" providerId="ADAL" clId="{FA9EBB8C-8588-5446-83D3-FCC9D90709F5}" dt="2022-01-07T14:14:29.323" v="138" actId="1076"/>
-          <ac:spMkLst>
-            <pc:docMk/>
-            <pc:sldMk cId="1763538283" sldId="343"/>
-            <ac:spMk id="38" creationId="{08CC66EF-C607-2D42-BD5D-EB3A84468846}"/>
-          </ac:spMkLst>
-        </pc:spChg>
-        <pc:spChg chg="add mod">
-          <ac:chgData name="Mochammad Irzan" userId="179137ea-2c9c-4136-bf34-44c697e89af7" providerId="ADAL" clId="{FA9EBB8C-8588-5446-83D3-FCC9D90709F5}" dt="2022-01-07T14:14:42.154" v="139" actId="207"/>
-          <ac:spMkLst>
-            <pc:docMk/>
-            <pc:sldMk cId="1763538283" sldId="343"/>
-            <ac:spMk id="39" creationId="{1E9C2C65-9336-0244-ABD5-0D37BAE539BA}"/>
-          </ac:spMkLst>
-        </pc:spChg>
-        <pc:spChg chg="add mod">
-          <ac:chgData name="Mochammad Irzan" userId="179137ea-2c9c-4136-bf34-44c697e89af7" providerId="ADAL" clId="{FA9EBB8C-8588-5446-83D3-FCC9D90709F5}" dt="2022-01-07T14:14:23.687" v="137" actId="1076"/>
-          <ac:spMkLst>
-            <pc:docMk/>
-            <pc:sldMk cId="1763538283" sldId="343"/>
-            <ac:spMk id="48" creationId="{16D79FD4-3BCA-9E45-ACCB-D5C6516CF478}"/>
-          </ac:spMkLst>
-        </pc:spChg>
-        <pc:cxnChg chg="mod">
-          <ac:chgData name="Mochammad Irzan" userId="179137ea-2c9c-4136-bf34-44c697e89af7" providerId="ADAL" clId="{FA9EBB8C-8588-5446-83D3-FCC9D90709F5}" dt="2022-01-07T14:12:06.551" v="45" actId="14100"/>
-          <ac:cxnSpMkLst>
-            <pc:docMk/>
-            <pc:sldMk cId="1763538283" sldId="343"/>
-            <ac:cxnSpMk id="7" creationId="{04FBE105-CFE2-4B41-B932-31F2B7749442}"/>
-          </ac:cxnSpMkLst>
-        </pc:cxnChg>
-        <pc:cxnChg chg="mod">
-          <ac:chgData name="Mochammad Irzan" userId="179137ea-2c9c-4136-bf34-44c697e89af7" providerId="ADAL" clId="{FA9EBB8C-8588-5446-83D3-FCC9D90709F5}" dt="2022-01-07T14:12:09.665" v="46" actId="1076"/>
-          <ac:cxnSpMkLst>
-            <pc:docMk/>
-            <pc:sldMk cId="1763538283" sldId="343"/>
-            <ac:cxnSpMk id="11" creationId="{8D09981C-C994-7345-B223-78E7A5E34421}"/>
-          </ac:cxnSpMkLst>
-        </pc:cxnChg>
-        <pc:cxnChg chg="add mod">
-          <ac:chgData name="Mochammad Irzan" userId="179137ea-2c9c-4136-bf34-44c697e89af7" providerId="ADAL" clId="{FA9EBB8C-8588-5446-83D3-FCC9D90709F5}" dt="2022-01-07T14:12:56.304" v="80" actId="1076"/>
-          <ac:cxnSpMkLst>
-            <pc:docMk/>
-            <pc:sldMk cId="1763538283" sldId="343"/>
-            <ac:cxnSpMk id="31" creationId="{6B415C36-408F-3B4F-8EED-F12FF6119E19}"/>
-          </ac:cxnSpMkLst>
-        </pc:cxnChg>
-        <pc:cxnChg chg="add mod">
-          <ac:chgData name="Mochammad Irzan" userId="179137ea-2c9c-4136-bf34-44c697e89af7" providerId="ADAL" clId="{FA9EBB8C-8588-5446-83D3-FCC9D90709F5}" dt="2022-01-07T14:13:34.101" v="115" actId="1076"/>
-          <ac:cxnSpMkLst>
-            <pc:docMk/>
-            <pc:sldMk cId="1763538283" sldId="343"/>
-            <ac:cxnSpMk id="40" creationId="{85B78CE9-7C56-294D-9A79-43982C6DA6B8}"/>
-          </ac:cxnSpMkLst>
-        </pc:cxnChg>
-        <pc:cxnChg chg="add mod">
-          <ac:chgData name="Mochammad Irzan" userId="179137ea-2c9c-4136-bf34-44c697e89af7" providerId="ADAL" clId="{FA9EBB8C-8588-5446-83D3-FCC9D90709F5}" dt="2022-01-07T14:14:29.323" v="138" actId="1076"/>
-          <ac:cxnSpMkLst>
-            <pc:docMk/>
-            <pc:sldMk cId="1763538283" sldId="343"/>
-            <ac:cxnSpMk id="44" creationId="{2F9C110A-3FB8-FC40-9C21-5E2DF4519D18}"/>
-          </ac:cxnSpMkLst>
-        </pc:cxnChg>
-        <pc:cxnChg chg="add mod">
-          <ac:chgData name="Mochammad Irzan" userId="179137ea-2c9c-4136-bf34-44c697e89af7" providerId="ADAL" clId="{FA9EBB8C-8588-5446-83D3-FCC9D90709F5}" dt="2022-01-07T14:14:29.323" v="138" actId="1076"/>
-          <ac:cxnSpMkLst>
-            <pc:docMk/>
-            <pc:sldMk cId="1763538283" sldId="343"/>
-            <ac:cxnSpMk id="49" creationId="{477770EA-9409-C845-9D57-4BEB6E293C87}"/>
-          </ac:cxnSpMkLst>
-        </pc:cxnChg>
-      </pc:sldChg>
-    </pc:docChg>
-  </pc:docChgLst>
-  <pc:docChgLst>
-    <pc:chgData name="Mochammad Irzan" userId="179137ea-2c9c-4136-bf34-44c697e89af7" providerId="ADAL" clId="{24954436-AF45-F947-831D-F9208AED373C}"/>
-    <pc:docChg chg="undo custSel addSld modSld">
-      <pc:chgData name="Mochammad Irzan" userId="179137ea-2c9c-4136-bf34-44c697e89af7" providerId="ADAL" clId="{24954436-AF45-F947-831D-F9208AED373C}" dt="2022-05-08T04:21:27.757" v="83" actId="1076"/>
-      <pc:docMkLst>
-        <pc:docMk/>
-      </pc:docMkLst>
-      <pc:sldChg chg="addSp delSp modSp add mod">
-        <pc:chgData name="Mochammad Irzan" userId="179137ea-2c9c-4136-bf34-44c697e89af7" providerId="ADAL" clId="{24954436-AF45-F947-831D-F9208AED373C}" dt="2022-05-08T04:21:27.757" v="83" actId="1076"/>
-        <pc:sldMkLst>
-          <pc:docMk/>
-          <pc:sldMk cId="973111361" sldId="350"/>
-        </pc:sldMkLst>
-        <pc:spChg chg="mod">
-          <ac:chgData name="Mochammad Irzan" userId="179137ea-2c9c-4136-bf34-44c697e89af7" providerId="ADAL" clId="{24954436-AF45-F947-831D-F9208AED373C}" dt="2022-05-07T14:40:32.785" v="6" actId="20577"/>
-          <ac:spMkLst>
-            <pc:docMk/>
-            <pc:sldMk cId="973111361" sldId="350"/>
-            <ac:spMk id="2" creationId="{3F0E3409-D3D8-FA4B-84D1-DBCC5D8C1178}"/>
-          </ac:spMkLst>
-        </pc:spChg>
-        <pc:spChg chg="mod">
-          <ac:chgData name="Mochammad Irzan" userId="179137ea-2c9c-4136-bf34-44c697e89af7" providerId="ADAL" clId="{24954436-AF45-F947-831D-F9208AED373C}" dt="2022-05-08T04:21:09.188" v="68" actId="1076"/>
-          <ac:spMkLst>
-            <pc:docMk/>
-            <pc:sldMk cId="973111361" sldId="350"/>
-            <ac:spMk id="3" creationId="{2378D4BD-CA18-FC4E-9939-63F8FEEA9D62}"/>
-          </ac:spMkLst>
-        </pc:spChg>
-        <pc:spChg chg="mod">
-          <ac:chgData name="Mochammad Irzan" userId="179137ea-2c9c-4136-bf34-44c697e89af7" providerId="ADAL" clId="{24954436-AF45-F947-831D-F9208AED373C}" dt="2022-05-08T04:19:28.995" v="40" actId="1076"/>
-          <ac:spMkLst>
-            <pc:docMk/>
-            <pc:sldMk cId="973111361" sldId="350"/>
-            <ac:spMk id="6" creationId="{0868FB46-DF25-D64A-9FC6-B97970050279}"/>
-          </ac:spMkLst>
-        </pc:spChg>
-        <pc:spChg chg="del">
-          <ac:chgData name="Mochammad Irzan" userId="179137ea-2c9c-4136-bf34-44c697e89af7" providerId="ADAL" clId="{24954436-AF45-F947-831D-F9208AED373C}" dt="2022-05-07T14:40:37.115" v="7" actId="478"/>
-          <ac:spMkLst>
-            <pc:docMk/>
-            <pc:sldMk cId="973111361" sldId="350"/>
-            <ac:spMk id="10" creationId="{0695F9A5-ECBD-B842-819C-A7F0D809FED9}"/>
-          </ac:spMkLst>
-        </pc:spChg>
-        <pc:spChg chg="mod">
-          <ac:chgData name="Mochammad Irzan" userId="179137ea-2c9c-4136-bf34-44c697e89af7" providerId="ADAL" clId="{24954436-AF45-F947-831D-F9208AED373C}" dt="2022-05-08T04:18:22.171" v="29" actId="5793"/>
-          <ac:spMkLst>
-            <pc:docMk/>
-            <pc:sldMk cId="973111361" sldId="350"/>
-            <ac:spMk id="16" creationId="{0D6221D8-54D1-1D47-A410-2308F42C195D}"/>
-          </ac:spMkLst>
-        </pc:spChg>
-        <pc:spChg chg="mod">
-          <ac:chgData name="Mochammad Irzan" userId="179137ea-2c9c-4136-bf34-44c697e89af7" providerId="ADAL" clId="{24954436-AF45-F947-831D-F9208AED373C}" dt="2022-05-08T04:20:47.422" v="55" actId="1076"/>
-          <ac:spMkLst>
-            <pc:docMk/>
-            <pc:sldMk cId="973111361" sldId="350"/>
-            <ac:spMk id="22" creationId="{610AE1C7-A117-3241-A8BA-7131B00105B5}"/>
-          </ac:spMkLst>
-        </pc:spChg>
-        <pc:spChg chg="add mod">
-          <ac:chgData name="Mochammad Irzan" userId="179137ea-2c9c-4136-bf34-44c697e89af7" providerId="ADAL" clId="{24954436-AF45-F947-831D-F9208AED373C}" dt="2022-05-08T04:21:13.115" v="69" actId="1076"/>
-          <ac:spMkLst>
-            <pc:docMk/>
-            <pc:sldMk cId="973111361" sldId="350"/>
-            <ac:spMk id="56" creationId="{C3BBAE6E-8E7D-0190-B141-23080DE3BFC0}"/>
-          </ac:spMkLst>
-        </pc:spChg>
-        <pc:spChg chg="add mod">
-          <ac:chgData name="Mochammad Irzan" userId="179137ea-2c9c-4136-bf34-44c697e89af7" providerId="ADAL" clId="{24954436-AF45-F947-831D-F9208AED373C}" dt="2022-05-08T04:21:27.757" v="83" actId="1076"/>
-          <ac:spMkLst>
-            <pc:docMk/>
-            <pc:sldMk cId="973111361" sldId="350"/>
-            <ac:spMk id="57" creationId="{0FE3BF99-E61A-672B-7A6A-CFF8B633977C}"/>
-          </ac:spMkLst>
-        </pc:spChg>
-        <pc:cxnChg chg="mod">
-          <ac:chgData name="Mochammad Irzan" userId="179137ea-2c9c-4136-bf34-44c697e89af7" providerId="ADAL" clId="{24954436-AF45-F947-831D-F9208AED373C}" dt="2022-05-08T04:19:28.995" v="40" actId="1076"/>
-          <ac:cxnSpMkLst>
-            <pc:docMk/>
-            <pc:sldMk cId="973111361" sldId="350"/>
-            <ac:cxnSpMk id="7" creationId="{04FBE105-CFE2-4B41-B932-31F2B7749442}"/>
-          </ac:cxnSpMkLst>
-        </pc:cxnChg>
-        <pc:cxnChg chg="del mod">
-          <ac:chgData name="Mochammad Irzan" userId="179137ea-2c9c-4136-bf34-44c697e89af7" providerId="ADAL" clId="{24954436-AF45-F947-831D-F9208AED373C}" dt="2022-05-07T14:40:38.625" v="8" actId="478"/>
-          <ac:cxnSpMkLst>
-            <pc:docMk/>
-            <pc:sldMk cId="973111361" sldId="350"/>
-            <ac:cxnSpMk id="11" creationId="{8D09981C-C994-7345-B223-78E7A5E34421}"/>
-          </ac:cxnSpMkLst>
-        </pc:cxnChg>
-        <pc:cxnChg chg="add mod">
-          <ac:chgData name="Mochammad Irzan" userId="179137ea-2c9c-4136-bf34-44c697e89af7" providerId="ADAL" clId="{24954436-AF45-F947-831D-F9208AED373C}" dt="2022-05-08T04:19:13.601" v="37" actId="208"/>
-          <ac:cxnSpMkLst>
-            <pc:docMk/>
-            <pc:sldMk cId="973111361" sldId="350"/>
-            <ac:cxnSpMk id="35" creationId="{CC909D9F-67F7-78C5-1477-5072094A3E35}"/>
-          </ac:cxnSpMkLst>
-        </pc:cxnChg>
-        <pc:cxnChg chg="add mod">
-          <ac:chgData name="Mochammad Irzan" userId="179137ea-2c9c-4136-bf34-44c697e89af7" providerId="ADAL" clId="{24954436-AF45-F947-831D-F9208AED373C}" dt="2022-05-08T04:19:40.830" v="43" actId="14100"/>
-          <ac:cxnSpMkLst>
-            <pc:docMk/>
-            <pc:sldMk cId="973111361" sldId="350"/>
-            <ac:cxnSpMk id="46" creationId="{1C717C69-EC21-BC78-2836-A4D9DDC8B9EC}"/>
-          </ac:cxnSpMkLst>
-        </pc:cxnChg>
-        <pc:cxnChg chg="add mod">
-          <ac:chgData name="Mochammad Irzan" userId="179137ea-2c9c-4136-bf34-44c697e89af7" providerId="ADAL" clId="{24954436-AF45-F947-831D-F9208AED373C}" dt="2022-05-08T04:19:52.663" v="47" actId="14100"/>
-          <ac:cxnSpMkLst>
-            <pc:docMk/>
-            <pc:sldMk cId="973111361" sldId="350"/>
-            <ac:cxnSpMk id="50" creationId="{533F327B-41E7-4BAC-4E67-0DC89485D3D0}"/>
-          </ac:cxnSpMkLst>
-        </pc:cxnChg>
-        <pc:cxnChg chg="add mod">
-          <ac:chgData name="Mochammad Irzan" userId="179137ea-2c9c-4136-bf34-44c697e89af7" providerId="ADAL" clId="{24954436-AF45-F947-831D-F9208AED373C}" dt="2022-05-08T04:20:33.573" v="53" actId="14100"/>
-          <ac:cxnSpMkLst>
-            <pc:docMk/>
-            <pc:sldMk cId="973111361" sldId="350"/>
-            <ac:cxnSpMk id="53" creationId="{C1CC23EF-480B-4FD8-3400-1E111F154052}"/>
-          </ac:cxnSpMkLst>
-        </pc:cxnChg>
-      </pc:sldChg>
-    </pc:docChg>
-  </pc:docChgLst>
-  <pc:docChgLst>
     <pc:chgData name="Mochammad Irzan" userId="179137ea-2c9c-4136-bf34-44c697e89af7" providerId="ADAL" clId="{A8C72CC2-45C8-8449-8242-4175ED8CFE98}"/>
     <pc:docChg chg="undo custSel addSld modSld">
       <pc:chgData name="Mochammad Irzan" userId="179137ea-2c9c-4136-bf34-44c697e89af7" providerId="ADAL" clId="{A8C72CC2-45C8-8449-8242-4175ED8CFE98}" dt="2021-08-22T15:41:44.740" v="673" actId="14100"/>
@@ -4566,6 +4303,534 @@
       </pc:sldChg>
     </pc:docChg>
   </pc:docChgLst>
+  <pc:docChgLst>
+    <pc:chgData name="Mochammad Irzan" userId="179137ea-2c9c-4136-bf34-44c697e89af7" providerId="ADAL" clId="{164DE0FF-35CD-824A-B85E-65074E272124}"/>
+    <pc:docChg chg="custSel addSld modSld sldOrd">
+      <pc:chgData name="Mochammad Irzan" userId="179137ea-2c9c-4136-bf34-44c697e89af7" providerId="ADAL" clId="{164DE0FF-35CD-824A-B85E-65074E272124}" dt="2021-09-06T04:37:19.880" v="275" actId="166"/>
+      <pc:docMkLst>
+        <pc:docMk/>
+      </pc:docMkLst>
+      <pc:sldChg chg="addSp delSp modSp new mod ord">
+        <pc:chgData name="Mochammad Irzan" userId="179137ea-2c9c-4136-bf34-44c697e89af7" providerId="ADAL" clId="{164DE0FF-35CD-824A-B85E-65074E272124}" dt="2021-09-06T04:37:19.880" v="275" actId="166"/>
+        <pc:sldMkLst>
+          <pc:docMk/>
+          <pc:sldMk cId="3101924204" sldId="338"/>
+        </pc:sldMkLst>
+        <pc:spChg chg="mod">
+          <ac:chgData name="Mochammad Irzan" userId="179137ea-2c9c-4136-bf34-44c697e89af7" providerId="ADAL" clId="{164DE0FF-35CD-824A-B85E-65074E272124}" dt="2021-09-06T04:20:21.988" v="22" actId="20577"/>
+          <ac:spMkLst>
+            <pc:docMk/>
+            <pc:sldMk cId="3101924204" sldId="338"/>
+            <ac:spMk id="2" creationId="{B79AE86B-6496-A14A-B9D5-3FF656249EEE}"/>
+          </ac:spMkLst>
+        </pc:spChg>
+        <pc:spChg chg="add mod">
+          <ac:chgData name="Mochammad Irzan" userId="179137ea-2c9c-4136-bf34-44c697e89af7" providerId="ADAL" clId="{164DE0FF-35CD-824A-B85E-65074E272124}" dt="2021-09-06T04:21:36.210" v="57" actId="1076"/>
+          <ac:spMkLst>
+            <pc:docMk/>
+            <pc:sldMk cId="3101924204" sldId="338"/>
+            <ac:spMk id="3" creationId="{A516CB98-1D99-5948-8B09-320760238D43}"/>
+          </ac:spMkLst>
+        </pc:spChg>
+        <pc:spChg chg="add mod">
+          <ac:chgData name="Mochammad Irzan" userId="179137ea-2c9c-4136-bf34-44c697e89af7" providerId="ADAL" clId="{164DE0FF-35CD-824A-B85E-65074E272124}" dt="2021-09-06T04:21:36.210" v="57" actId="1076"/>
+          <ac:spMkLst>
+            <pc:docMk/>
+            <pc:sldMk cId="3101924204" sldId="338"/>
+            <ac:spMk id="4" creationId="{89735D13-6638-C844-84B6-84674DA3BC0D}"/>
+          </ac:spMkLst>
+        </pc:spChg>
+        <pc:spChg chg="add mod">
+          <ac:chgData name="Mochammad Irzan" userId="179137ea-2c9c-4136-bf34-44c697e89af7" providerId="ADAL" clId="{164DE0FF-35CD-824A-B85E-65074E272124}" dt="2021-09-06T04:22:36.929" v="80" actId="1076"/>
+          <ac:spMkLst>
+            <pc:docMk/>
+            <pc:sldMk cId="3101924204" sldId="338"/>
+            <ac:spMk id="7" creationId="{09C242F0-67D6-3945-A1AC-9FA592B6FEE7}"/>
+          </ac:spMkLst>
+        </pc:spChg>
+        <pc:spChg chg="add mod">
+          <ac:chgData name="Mochammad Irzan" userId="179137ea-2c9c-4136-bf34-44c697e89af7" providerId="ADAL" clId="{164DE0FF-35CD-824A-B85E-65074E272124}" dt="2021-09-06T04:27:29.272" v="87" actId="2085"/>
+          <ac:spMkLst>
+            <pc:docMk/>
+            <pc:sldMk cId="3101924204" sldId="338"/>
+            <ac:spMk id="12" creationId="{10C49495-4C3A-7148-9A0F-0F51D4F78D90}"/>
+          </ac:spMkLst>
+        </pc:spChg>
+        <pc:spChg chg="add mod">
+          <ac:chgData name="Mochammad Irzan" userId="179137ea-2c9c-4136-bf34-44c697e89af7" providerId="ADAL" clId="{164DE0FF-35CD-824A-B85E-65074E272124}" dt="2021-09-06T04:32:36.053" v="167" actId="14100"/>
+          <ac:spMkLst>
+            <pc:docMk/>
+            <pc:sldMk cId="3101924204" sldId="338"/>
+            <ac:spMk id="16" creationId="{F4EC7D0C-1498-7C46-BE02-AFAAC16C9B72}"/>
+          </ac:spMkLst>
+        </pc:spChg>
+        <pc:spChg chg="add mod">
+          <ac:chgData name="Mochammad Irzan" userId="179137ea-2c9c-4136-bf34-44c697e89af7" providerId="ADAL" clId="{164DE0FF-35CD-824A-B85E-65074E272124}" dt="2021-09-06T04:31:02.302" v="125" actId="1076"/>
+          <ac:spMkLst>
+            <pc:docMk/>
+            <pc:sldMk cId="3101924204" sldId="338"/>
+            <ac:spMk id="19" creationId="{0501E995-2AA5-BB47-8948-8D71DDC7797C}"/>
+          </ac:spMkLst>
+        </pc:spChg>
+        <pc:spChg chg="add mod">
+          <ac:chgData name="Mochammad Irzan" userId="179137ea-2c9c-4136-bf34-44c697e89af7" providerId="ADAL" clId="{164DE0FF-35CD-824A-B85E-65074E272124}" dt="2021-09-06T04:31:02.302" v="125" actId="1076"/>
+          <ac:spMkLst>
+            <pc:docMk/>
+            <pc:sldMk cId="3101924204" sldId="338"/>
+            <ac:spMk id="20" creationId="{13A768D3-AE11-354A-92CB-DA0FC82B0809}"/>
+          </ac:spMkLst>
+        </pc:spChg>
+        <pc:spChg chg="add mod">
+          <ac:chgData name="Mochammad Irzan" userId="179137ea-2c9c-4136-bf34-44c697e89af7" providerId="ADAL" clId="{164DE0FF-35CD-824A-B85E-65074E272124}" dt="2021-09-06T04:31:02.302" v="125" actId="1076"/>
+          <ac:spMkLst>
+            <pc:docMk/>
+            <pc:sldMk cId="3101924204" sldId="338"/>
+            <ac:spMk id="21" creationId="{E5BA6863-DB07-0245-9B1D-64B1D4B5EDFE}"/>
+          </ac:spMkLst>
+        </pc:spChg>
+        <pc:spChg chg="add mod">
+          <ac:chgData name="Mochammad Irzan" userId="179137ea-2c9c-4136-bf34-44c697e89af7" providerId="ADAL" clId="{164DE0FF-35CD-824A-B85E-65074E272124}" dt="2021-09-06T04:31:48.546" v="138" actId="20577"/>
+          <ac:spMkLst>
+            <pc:docMk/>
+            <pc:sldMk cId="3101924204" sldId="338"/>
+            <ac:spMk id="31" creationId="{AF20A5D2-594A-EC4B-B40B-84BB1D1DF851}"/>
+          </ac:spMkLst>
+        </pc:spChg>
+        <pc:spChg chg="add mod">
+          <ac:chgData name="Mochammad Irzan" userId="179137ea-2c9c-4136-bf34-44c697e89af7" providerId="ADAL" clId="{164DE0FF-35CD-824A-B85E-65074E272124}" dt="2021-09-06T04:32:04.643" v="154" actId="1076"/>
+          <ac:spMkLst>
+            <pc:docMk/>
+            <pc:sldMk cId="3101924204" sldId="338"/>
+            <ac:spMk id="33" creationId="{F4086198-967C-6244-968F-ED555D299790}"/>
+          </ac:spMkLst>
+        </pc:spChg>
+        <pc:spChg chg="add mod">
+          <ac:chgData name="Mochammad Irzan" userId="179137ea-2c9c-4136-bf34-44c697e89af7" providerId="ADAL" clId="{164DE0FF-35CD-824A-B85E-65074E272124}" dt="2021-09-06T04:32:18.814" v="158" actId="20577"/>
+          <ac:spMkLst>
+            <pc:docMk/>
+            <pc:sldMk cId="3101924204" sldId="338"/>
+            <ac:spMk id="34" creationId="{64065E16-240D-8F44-A38E-98990315DBFA}"/>
+          </ac:spMkLst>
+        </pc:spChg>
+        <pc:spChg chg="add mod">
+          <ac:chgData name="Mochammad Irzan" userId="179137ea-2c9c-4136-bf34-44c697e89af7" providerId="ADAL" clId="{164DE0FF-35CD-824A-B85E-65074E272124}" dt="2021-09-06T04:32:24.879" v="162" actId="20577"/>
+          <ac:spMkLst>
+            <pc:docMk/>
+            <pc:sldMk cId="3101924204" sldId="338"/>
+            <ac:spMk id="35" creationId="{CAC8BA43-5DF1-164A-8A66-AE15A2F31A5E}"/>
+          </ac:spMkLst>
+        </pc:spChg>
+        <pc:spChg chg="add mod">
+          <ac:chgData name="Mochammad Irzan" userId="179137ea-2c9c-4136-bf34-44c697e89af7" providerId="ADAL" clId="{164DE0FF-35CD-824A-B85E-65074E272124}" dt="2021-09-06T04:32:31.321" v="166" actId="20577"/>
+          <ac:spMkLst>
+            <pc:docMk/>
+            <pc:sldMk cId="3101924204" sldId="338"/>
+            <ac:spMk id="36" creationId="{9704C6C8-A281-A847-BCD9-2DBF227D461A}"/>
+          </ac:spMkLst>
+        </pc:spChg>
+        <pc:spChg chg="add mod">
+          <ac:chgData name="Mochammad Irzan" userId="179137ea-2c9c-4136-bf34-44c697e89af7" providerId="ADAL" clId="{164DE0FF-35CD-824A-B85E-65074E272124}" dt="2021-09-06T04:37:19.880" v="275" actId="166"/>
+          <ac:spMkLst>
+            <pc:docMk/>
+            <pc:sldMk cId="3101924204" sldId="338"/>
+            <ac:spMk id="59" creationId="{A7111868-8097-B74F-813B-38717296664B}"/>
+          </ac:spMkLst>
+        </pc:spChg>
+        <pc:spChg chg="add mod">
+          <ac:chgData name="Mochammad Irzan" userId="179137ea-2c9c-4136-bf34-44c697e89af7" providerId="ADAL" clId="{164DE0FF-35CD-824A-B85E-65074E272124}" dt="2021-09-06T04:37:19.880" v="275" actId="166"/>
+          <ac:spMkLst>
+            <pc:docMk/>
+            <pc:sldMk cId="3101924204" sldId="338"/>
+            <ac:spMk id="60" creationId="{42EFE04A-8770-8D4C-A30B-4B09E10C0C7B}"/>
+          </ac:spMkLst>
+        </pc:spChg>
+        <pc:spChg chg="add mod">
+          <ac:chgData name="Mochammad Irzan" userId="179137ea-2c9c-4136-bf34-44c697e89af7" providerId="ADAL" clId="{164DE0FF-35CD-824A-B85E-65074E272124}" dt="2021-09-06T04:35:39.645" v="246" actId="1076"/>
+          <ac:spMkLst>
+            <pc:docMk/>
+            <pc:sldMk cId="3101924204" sldId="338"/>
+            <ac:spMk id="85" creationId="{FFDA212A-264E-EF45-909A-0BED4D949021}"/>
+          </ac:spMkLst>
+        </pc:spChg>
+        <pc:spChg chg="add mod">
+          <ac:chgData name="Mochammad Irzan" userId="179137ea-2c9c-4136-bf34-44c697e89af7" providerId="ADAL" clId="{164DE0FF-35CD-824A-B85E-65074E272124}" dt="2021-09-06T04:36:31.886" v="263" actId="207"/>
+          <ac:spMkLst>
+            <pc:docMk/>
+            <pc:sldMk cId="3101924204" sldId="338"/>
+            <ac:spMk id="94" creationId="{5CAEB4AA-C217-5442-9C3D-D13BFFE4749F}"/>
+          </ac:spMkLst>
+        </pc:spChg>
+        <pc:cxnChg chg="add mod">
+          <ac:chgData name="Mochammad Irzan" userId="179137ea-2c9c-4136-bf34-44c697e89af7" providerId="ADAL" clId="{164DE0FF-35CD-824A-B85E-65074E272124}" dt="2021-09-06T04:22:00.477" v="59" actId="1582"/>
+          <ac:cxnSpMkLst>
+            <pc:docMk/>
+            <pc:sldMk cId="3101924204" sldId="338"/>
+            <ac:cxnSpMk id="6" creationId="{3323EC21-94F3-554F-84CA-9B99FF8D0EF8}"/>
+          </ac:cxnSpMkLst>
+        </pc:cxnChg>
+        <pc:cxnChg chg="add mod">
+          <ac:chgData name="Mochammad Irzan" userId="179137ea-2c9c-4136-bf34-44c697e89af7" providerId="ADAL" clId="{164DE0FF-35CD-824A-B85E-65074E272124}" dt="2021-09-06T04:22:36.929" v="80" actId="1076"/>
+          <ac:cxnSpMkLst>
+            <pc:docMk/>
+            <pc:sldMk cId="3101924204" sldId="338"/>
+            <ac:cxnSpMk id="8" creationId="{31D409A0-744A-0A4A-B4BA-733F776C84F6}"/>
+          </ac:cxnSpMkLst>
+        </pc:cxnChg>
+        <pc:cxnChg chg="add mod">
+          <ac:chgData name="Mochammad Irzan" userId="179137ea-2c9c-4136-bf34-44c697e89af7" providerId="ADAL" clId="{164DE0FF-35CD-824A-B85E-65074E272124}" dt="2021-09-06T04:28:39.417" v="90" actId="14100"/>
+          <ac:cxnSpMkLst>
+            <pc:docMk/>
+            <pc:sldMk cId="3101924204" sldId="338"/>
+            <ac:cxnSpMk id="13" creationId="{D7F912FB-FAAB-7B48-B092-4DA23203D170}"/>
+          </ac:cxnSpMkLst>
+        </pc:cxnChg>
+        <pc:cxnChg chg="add mod">
+          <ac:chgData name="Mochammad Irzan" userId="179137ea-2c9c-4136-bf34-44c697e89af7" providerId="ADAL" clId="{164DE0FF-35CD-824A-B85E-65074E272124}" dt="2021-09-06T04:37:13.537" v="274" actId="693"/>
+          <ac:cxnSpMkLst>
+            <pc:docMk/>
+            <pc:sldMk cId="3101924204" sldId="338"/>
+            <ac:cxnSpMk id="18" creationId="{102FE563-5D18-7441-9A6A-E1F3D39798D4}"/>
+          </ac:cxnSpMkLst>
+        </pc:cxnChg>
+        <pc:cxnChg chg="add mod">
+          <ac:chgData name="Mochammad Irzan" userId="179137ea-2c9c-4136-bf34-44c697e89af7" providerId="ADAL" clId="{164DE0FF-35CD-824A-B85E-65074E272124}" dt="2021-09-06T04:37:13.537" v="274" actId="693"/>
+          <ac:cxnSpMkLst>
+            <pc:docMk/>
+            <pc:sldMk cId="3101924204" sldId="338"/>
+            <ac:cxnSpMk id="22" creationId="{C03B4FD3-5961-DB46-BB75-02B0E7B6E0A1}"/>
+          </ac:cxnSpMkLst>
+        </pc:cxnChg>
+        <pc:cxnChg chg="add mod">
+          <ac:chgData name="Mochammad Irzan" userId="179137ea-2c9c-4136-bf34-44c697e89af7" providerId="ADAL" clId="{164DE0FF-35CD-824A-B85E-65074E272124}" dt="2021-09-06T04:37:13.537" v="274" actId="693"/>
+          <ac:cxnSpMkLst>
+            <pc:docMk/>
+            <pc:sldMk cId="3101924204" sldId="338"/>
+            <ac:cxnSpMk id="25" creationId="{1CAE77D0-DFC4-D447-8EB3-FA06FD188D05}"/>
+          </ac:cxnSpMkLst>
+        </pc:cxnChg>
+        <pc:cxnChg chg="add mod">
+          <ac:chgData name="Mochammad Irzan" userId="179137ea-2c9c-4136-bf34-44c697e89af7" providerId="ADAL" clId="{164DE0FF-35CD-824A-B85E-65074E272124}" dt="2021-09-06T04:37:13.537" v="274" actId="693"/>
+          <ac:cxnSpMkLst>
+            <pc:docMk/>
+            <pc:sldMk cId="3101924204" sldId="338"/>
+            <ac:cxnSpMk id="28" creationId="{11610524-A1E5-4640-AB5B-83A804D8B9FF}"/>
+          </ac:cxnSpMkLst>
+        </pc:cxnChg>
+        <pc:cxnChg chg="add mod">
+          <ac:chgData name="Mochammad Irzan" userId="179137ea-2c9c-4136-bf34-44c697e89af7" providerId="ADAL" clId="{164DE0FF-35CD-824A-B85E-65074E272124}" dt="2021-09-06T04:37:13.537" v="274" actId="693"/>
+          <ac:cxnSpMkLst>
+            <pc:docMk/>
+            <pc:sldMk cId="3101924204" sldId="338"/>
+            <ac:cxnSpMk id="32" creationId="{1B3D19BB-ADC5-0049-9A37-6E80262804F8}"/>
+          </ac:cxnSpMkLst>
+        </pc:cxnChg>
+        <pc:cxnChg chg="add del mod">
+          <ac:chgData name="Mochammad Irzan" userId="179137ea-2c9c-4136-bf34-44c697e89af7" providerId="ADAL" clId="{164DE0FF-35CD-824A-B85E-65074E272124}" dt="2021-09-06T04:33:28.145" v="178" actId="478"/>
+          <ac:cxnSpMkLst>
+            <pc:docMk/>
+            <pc:sldMk cId="3101924204" sldId="338"/>
+            <ac:cxnSpMk id="38" creationId="{AE72295D-981F-494A-B107-02F98083897A}"/>
+          </ac:cxnSpMkLst>
+        </pc:cxnChg>
+        <pc:cxnChg chg="add mod">
+          <ac:chgData name="Mochammad Irzan" userId="179137ea-2c9c-4136-bf34-44c697e89af7" providerId="ADAL" clId="{164DE0FF-35CD-824A-B85E-65074E272124}" dt="2021-09-06T04:37:13.537" v="274" actId="693"/>
+          <ac:cxnSpMkLst>
+            <pc:docMk/>
+            <pc:sldMk cId="3101924204" sldId="338"/>
+            <ac:cxnSpMk id="41" creationId="{69D8DC61-62A3-0044-A74E-6D5AEDCB3144}"/>
+          </ac:cxnSpMkLst>
+        </pc:cxnChg>
+        <pc:cxnChg chg="add del mod">
+          <ac:chgData name="Mochammad Irzan" userId="179137ea-2c9c-4136-bf34-44c697e89af7" providerId="ADAL" clId="{164DE0FF-35CD-824A-B85E-65074E272124}" dt="2021-09-06T04:33:12.015" v="176" actId="478"/>
+          <ac:cxnSpMkLst>
+            <pc:docMk/>
+            <pc:sldMk cId="3101924204" sldId="338"/>
+            <ac:cxnSpMk id="44" creationId="{3F3CE1F9-CC41-4242-B07F-A3CD76FEC325}"/>
+          </ac:cxnSpMkLst>
+        </pc:cxnChg>
+        <pc:cxnChg chg="add mod">
+          <ac:chgData name="Mochammad Irzan" userId="179137ea-2c9c-4136-bf34-44c697e89af7" providerId="ADAL" clId="{164DE0FF-35CD-824A-B85E-65074E272124}" dt="2021-09-06T04:33:48.913" v="183" actId="14100"/>
+          <ac:cxnSpMkLst>
+            <pc:docMk/>
+            <pc:sldMk cId="3101924204" sldId="338"/>
+            <ac:cxnSpMk id="47" creationId="{2BDF29EB-EF69-4649-ADB1-3004F7566175}"/>
+          </ac:cxnSpMkLst>
+        </pc:cxnChg>
+        <pc:cxnChg chg="add mod">
+          <ac:chgData name="Mochammad Irzan" userId="179137ea-2c9c-4136-bf34-44c697e89af7" providerId="ADAL" clId="{164DE0FF-35CD-824A-B85E-65074E272124}" dt="2021-09-06T04:33:53.508" v="186" actId="14100"/>
+          <ac:cxnSpMkLst>
+            <pc:docMk/>
+            <pc:sldMk cId="3101924204" sldId="338"/>
+            <ac:cxnSpMk id="50" creationId="{CE2026D8-AE31-9449-B5E2-B40A70713FB2}"/>
+          </ac:cxnSpMkLst>
+        </pc:cxnChg>
+        <pc:cxnChg chg="add mod">
+          <ac:chgData name="Mochammad Irzan" userId="179137ea-2c9c-4136-bf34-44c697e89af7" providerId="ADAL" clId="{164DE0FF-35CD-824A-B85E-65074E272124}" dt="2021-09-06T04:34:02.348" v="189" actId="14100"/>
+          <ac:cxnSpMkLst>
+            <pc:docMk/>
+            <pc:sldMk cId="3101924204" sldId="338"/>
+            <ac:cxnSpMk id="53" creationId="{1C31DAAD-DBC1-E44A-8BC2-335F3121594C}"/>
+          </ac:cxnSpMkLst>
+        </pc:cxnChg>
+        <pc:cxnChg chg="add mod">
+          <ac:chgData name="Mochammad Irzan" userId="179137ea-2c9c-4136-bf34-44c697e89af7" providerId="ADAL" clId="{164DE0FF-35CD-824A-B85E-65074E272124}" dt="2021-09-06T04:34:08.113" v="192" actId="14100"/>
+          <ac:cxnSpMkLst>
+            <pc:docMk/>
+            <pc:sldMk cId="3101924204" sldId="338"/>
+            <ac:cxnSpMk id="56" creationId="{CE49C4AC-5B72-F248-8879-B1664D8D1B84}"/>
+          </ac:cxnSpMkLst>
+        </pc:cxnChg>
+        <pc:cxnChg chg="add mod">
+          <ac:chgData name="Mochammad Irzan" userId="179137ea-2c9c-4136-bf34-44c697e89af7" providerId="ADAL" clId="{164DE0FF-35CD-824A-B85E-65074E272124}" dt="2021-09-06T04:34:40.936" v="214" actId="14100"/>
+          <ac:cxnSpMkLst>
+            <pc:docMk/>
+            <pc:sldMk cId="3101924204" sldId="338"/>
+            <ac:cxnSpMk id="61" creationId="{394A6B15-E95A-B24A-8CC1-93E5F6B2110F}"/>
+          </ac:cxnSpMkLst>
+        </pc:cxnChg>
+        <pc:cxnChg chg="add mod">
+          <ac:chgData name="Mochammad Irzan" userId="179137ea-2c9c-4136-bf34-44c697e89af7" providerId="ADAL" clId="{164DE0FF-35CD-824A-B85E-65074E272124}" dt="2021-09-06T04:34:46.210" v="217" actId="14100"/>
+          <ac:cxnSpMkLst>
+            <pc:docMk/>
+            <pc:sldMk cId="3101924204" sldId="338"/>
+            <ac:cxnSpMk id="64" creationId="{BF47EE42-AC4F-8C47-8D41-932CBAA07732}"/>
+          </ac:cxnSpMkLst>
+        </pc:cxnChg>
+        <pc:cxnChg chg="add mod">
+          <ac:chgData name="Mochammad Irzan" userId="179137ea-2c9c-4136-bf34-44c697e89af7" providerId="ADAL" clId="{164DE0FF-35CD-824A-B85E-65074E272124}" dt="2021-09-06T04:34:51.715" v="220" actId="14100"/>
+          <ac:cxnSpMkLst>
+            <pc:docMk/>
+            <pc:sldMk cId="3101924204" sldId="338"/>
+            <ac:cxnSpMk id="67" creationId="{76B31A3E-63CE-CB45-9D4F-A597483590A2}"/>
+          </ac:cxnSpMkLst>
+        </pc:cxnChg>
+        <pc:cxnChg chg="add mod">
+          <ac:chgData name="Mochammad Irzan" userId="179137ea-2c9c-4136-bf34-44c697e89af7" providerId="ADAL" clId="{164DE0FF-35CD-824A-B85E-65074E272124}" dt="2021-09-06T04:34:56.431" v="223" actId="14100"/>
+          <ac:cxnSpMkLst>
+            <pc:docMk/>
+            <pc:sldMk cId="3101924204" sldId="338"/>
+            <ac:cxnSpMk id="70" creationId="{13859073-D5BC-8143-BB2F-55F229B3B8AD}"/>
+          </ac:cxnSpMkLst>
+        </pc:cxnChg>
+        <pc:cxnChg chg="add mod">
+          <ac:chgData name="Mochammad Irzan" userId="179137ea-2c9c-4136-bf34-44c697e89af7" providerId="ADAL" clId="{164DE0FF-35CD-824A-B85E-65074E272124}" dt="2021-09-06T04:35:01.861" v="226" actId="14100"/>
+          <ac:cxnSpMkLst>
+            <pc:docMk/>
+            <pc:sldMk cId="3101924204" sldId="338"/>
+            <ac:cxnSpMk id="73" creationId="{3CB0E325-9C0A-2046-B782-210C49DEDE54}"/>
+          </ac:cxnSpMkLst>
+        </pc:cxnChg>
+        <pc:cxnChg chg="add mod">
+          <ac:chgData name="Mochammad Irzan" userId="179137ea-2c9c-4136-bf34-44c697e89af7" providerId="ADAL" clId="{164DE0FF-35CD-824A-B85E-65074E272124}" dt="2021-09-06T04:35:07.265" v="229" actId="14100"/>
+          <ac:cxnSpMkLst>
+            <pc:docMk/>
+            <pc:sldMk cId="3101924204" sldId="338"/>
+            <ac:cxnSpMk id="76" creationId="{F166FA55-C8CE-CF4F-81D2-31045FF5CB9A}"/>
+          </ac:cxnSpMkLst>
+        </pc:cxnChg>
+        <pc:cxnChg chg="add mod">
+          <ac:chgData name="Mochammad Irzan" userId="179137ea-2c9c-4136-bf34-44c697e89af7" providerId="ADAL" clId="{164DE0FF-35CD-824A-B85E-65074E272124}" dt="2021-09-06T04:35:12.714" v="232" actId="14100"/>
+          <ac:cxnSpMkLst>
+            <pc:docMk/>
+            <pc:sldMk cId="3101924204" sldId="338"/>
+            <ac:cxnSpMk id="79" creationId="{D561E1B8-F0E9-F44A-95CF-240B78ACDD75}"/>
+          </ac:cxnSpMkLst>
+        </pc:cxnChg>
+        <pc:cxnChg chg="add mod">
+          <ac:chgData name="Mochammad Irzan" userId="179137ea-2c9c-4136-bf34-44c697e89af7" providerId="ADAL" clId="{164DE0FF-35CD-824A-B85E-65074E272124}" dt="2021-09-06T04:35:17.766" v="235" actId="14100"/>
+          <ac:cxnSpMkLst>
+            <pc:docMk/>
+            <pc:sldMk cId="3101924204" sldId="338"/>
+            <ac:cxnSpMk id="82" creationId="{EB58DA04-0E40-6944-9875-F7900CF00D6F}"/>
+          </ac:cxnSpMkLst>
+        </pc:cxnChg>
+        <pc:cxnChg chg="add mod">
+          <ac:chgData name="Mochammad Irzan" userId="179137ea-2c9c-4136-bf34-44c697e89af7" providerId="ADAL" clId="{164DE0FF-35CD-824A-B85E-65074E272124}" dt="2021-09-06T04:35:39.645" v="246" actId="1076"/>
+          <ac:cxnSpMkLst>
+            <pc:docMk/>
+            <pc:sldMk cId="3101924204" sldId="338"/>
+            <ac:cxnSpMk id="86" creationId="{A05C7998-B71A-3B48-8DE5-45C280E5BCC2}"/>
+          </ac:cxnSpMkLst>
+        </pc:cxnChg>
+        <pc:cxnChg chg="add mod">
+          <ac:chgData name="Mochammad Irzan" userId="179137ea-2c9c-4136-bf34-44c697e89af7" providerId="ADAL" clId="{164DE0FF-35CD-824A-B85E-65074E272124}" dt="2021-09-06T04:35:39.645" v="246" actId="1076"/>
+          <ac:cxnSpMkLst>
+            <pc:docMk/>
+            <pc:sldMk cId="3101924204" sldId="338"/>
+            <ac:cxnSpMk id="89" creationId="{076A8CD7-6FE5-554F-9251-9A9A10420044}"/>
+          </ac:cxnSpMkLst>
+        </pc:cxnChg>
+        <pc:cxnChg chg="add mod">
+          <ac:chgData name="Mochammad Irzan" userId="179137ea-2c9c-4136-bf34-44c697e89af7" providerId="ADAL" clId="{164DE0FF-35CD-824A-B85E-65074E272124}" dt="2021-09-06T04:36:29.079" v="262" actId="1076"/>
+          <ac:cxnSpMkLst>
+            <pc:docMk/>
+            <pc:sldMk cId="3101924204" sldId="338"/>
+            <ac:cxnSpMk id="95" creationId="{B12021B0-2E26-B245-9F18-D7450368FE60}"/>
+          </ac:cxnSpMkLst>
+        </pc:cxnChg>
+        <pc:cxnChg chg="add mod">
+          <ac:chgData name="Mochammad Irzan" userId="179137ea-2c9c-4136-bf34-44c697e89af7" providerId="ADAL" clId="{164DE0FF-35CD-824A-B85E-65074E272124}" dt="2021-09-06T04:36:29.079" v="262" actId="1076"/>
+          <ac:cxnSpMkLst>
+            <pc:docMk/>
+            <pc:sldMk cId="3101924204" sldId="338"/>
+            <ac:cxnSpMk id="98" creationId="{C913E131-DF7B-0A41-852B-1C7008F18880}"/>
+          </ac:cxnSpMkLst>
+        </pc:cxnChg>
+        <pc:cxnChg chg="add mod">
+          <ac:chgData name="Mochammad Irzan" userId="179137ea-2c9c-4136-bf34-44c697e89af7" providerId="ADAL" clId="{164DE0FF-35CD-824A-B85E-65074E272124}" dt="2021-09-06T04:37:13.537" v="274" actId="693"/>
+          <ac:cxnSpMkLst>
+            <pc:docMk/>
+            <pc:sldMk cId="3101924204" sldId="338"/>
+            <ac:cxnSpMk id="103" creationId="{16F581AF-00B1-D744-BB42-8C3E64A2C9DC}"/>
+          </ac:cxnSpMkLst>
+        </pc:cxnChg>
+        <pc:cxnChg chg="add mod">
+          <ac:chgData name="Mochammad Irzan" userId="179137ea-2c9c-4136-bf34-44c697e89af7" providerId="ADAL" clId="{164DE0FF-35CD-824A-B85E-65074E272124}" dt="2021-09-06T04:37:13.537" v="274" actId="693"/>
+          <ac:cxnSpMkLst>
+            <pc:docMk/>
+            <pc:sldMk cId="3101924204" sldId="338"/>
+            <ac:cxnSpMk id="107" creationId="{6F627407-891C-6543-867F-F01717251A77}"/>
+          </ac:cxnSpMkLst>
+        </pc:cxnChg>
+        <pc:cxnChg chg="add mod">
+          <ac:chgData name="Mochammad Irzan" userId="179137ea-2c9c-4136-bf34-44c697e89af7" providerId="ADAL" clId="{164DE0FF-35CD-824A-B85E-65074E272124}" dt="2021-09-06T04:37:13.537" v="274" actId="693"/>
+          <ac:cxnSpMkLst>
+            <pc:docMk/>
+            <pc:sldMk cId="3101924204" sldId="338"/>
+            <ac:cxnSpMk id="110" creationId="{7D6B09EB-FBC2-8B4B-A74E-2C638ADC5D5D}"/>
+          </ac:cxnSpMkLst>
+        </pc:cxnChg>
+      </pc:sldChg>
+    </pc:docChg>
+  </pc:docChgLst>
+  <pc:docChgLst>
+    <pc:chgData name="Mochammad Irzan" userId="179137ea-2c9c-4136-bf34-44c697e89af7" providerId="ADAL" clId="{24954436-AF45-F947-831D-F9208AED373C}"/>
+    <pc:docChg chg="undo custSel addSld modSld">
+      <pc:chgData name="Mochammad Irzan" userId="179137ea-2c9c-4136-bf34-44c697e89af7" providerId="ADAL" clId="{24954436-AF45-F947-831D-F9208AED373C}" dt="2022-05-08T04:21:27.757" v="83" actId="1076"/>
+      <pc:docMkLst>
+        <pc:docMk/>
+      </pc:docMkLst>
+      <pc:sldChg chg="addSp delSp modSp add mod">
+        <pc:chgData name="Mochammad Irzan" userId="179137ea-2c9c-4136-bf34-44c697e89af7" providerId="ADAL" clId="{24954436-AF45-F947-831D-F9208AED373C}" dt="2022-05-08T04:21:27.757" v="83" actId="1076"/>
+        <pc:sldMkLst>
+          <pc:docMk/>
+          <pc:sldMk cId="973111361" sldId="350"/>
+        </pc:sldMkLst>
+        <pc:spChg chg="mod">
+          <ac:chgData name="Mochammad Irzan" userId="179137ea-2c9c-4136-bf34-44c697e89af7" providerId="ADAL" clId="{24954436-AF45-F947-831D-F9208AED373C}" dt="2022-05-07T14:40:32.785" v="6" actId="20577"/>
+          <ac:spMkLst>
+            <pc:docMk/>
+            <pc:sldMk cId="973111361" sldId="350"/>
+            <ac:spMk id="2" creationId="{3F0E3409-D3D8-FA4B-84D1-DBCC5D8C1178}"/>
+          </ac:spMkLst>
+        </pc:spChg>
+        <pc:spChg chg="mod">
+          <ac:chgData name="Mochammad Irzan" userId="179137ea-2c9c-4136-bf34-44c697e89af7" providerId="ADAL" clId="{24954436-AF45-F947-831D-F9208AED373C}" dt="2022-05-08T04:21:09.188" v="68" actId="1076"/>
+          <ac:spMkLst>
+            <pc:docMk/>
+            <pc:sldMk cId="973111361" sldId="350"/>
+            <ac:spMk id="3" creationId="{2378D4BD-CA18-FC4E-9939-63F8FEEA9D62}"/>
+          </ac:spMkLst>
+        </pc:spChg>
+        <pc:spChg chg="mod">
+          <ac:chgData name="Mochammad Irzan" userId="179137ea-2c9c-4136-bf34-44c697e89af7" providerId="ADAL" clId="{24954436-AF45-F947-831D-F9208AED373C}" dt="2022-05-08T04:19:28.995" v="40" actId="1076"/>
+          <ac:spMkLst>
+            <pc:docMk/>
+            <pc:sldMk cId="973111361" sldId="350"/>
+            <ac:spMk id="6" creationId="{0868FB46-DF25-D64A-9FC6-B97970050279}"/>
+          </ac:spMkLst>
+        </pc:spChg>
+        <pc:spChg chg="del">
+          <ac:chgData name="Mochammad Irzan" userId="179137ea-2c9c-4136-bf34-44c697e89af7" providerId="ADAL" clId="{24954436-AF45-F947-831D-F9208AED373C}" dt="2022-05-07T14:40:37.115" v="7" actId="478"/>
+          <ac:spMkLst>
+            <pc:docMk/>
+            <pc:sldMk cId="973111361" sldId="350"/>
+            <ac:spMk id="10" creationId="{0695F9A5-ECBD-B842-819C-A7F0D809FED9}"/>
+          </ac:spMkLst>
+        </pc:spChg>
+        <pc:spChg chg="mod">
+          <ac:chgData name="Mochammad Irzan" userId="179137ea-2c9c-4136-bf34-44c697e89af7" providerId="ADAL" clId="{24954436-AF45-F947-831D-F9208AED373C}" dt="2022-05-08T04:18:22.171" v="29" actId="5793"/>
+          <ac:spMkLst>
+            <pc:docMk/>
+            <pc:sldMk cId="973111361" sldId="350"/>
+            <ac:spMk id="16" creationId="{0D6221D8-54D1-1D47-A410-2308F42C195D}"/>
+          </ac:spMkLst>
+        </pc:spChg>
+        <pc:spChg chg="mod">
+          <ac:chgData name="Mochammad Irzan" userId="179137ea-2c9c-4136-bf34-44c697e89af7" providerId="ADAL" clId="{24954436-AF45-F947-831D-F9208AED373C}" dt="2022-05-08T04:20:47.422" v="55" actId="1076"/>
+          <ac:spMkLst>
+            <pc:docMk/>
+            <pc:sldMk cId="973111361" sldId="350"/>
+            <ac:spMk id="22" creationId="{610AE1C7-A117-3241-A8BA-7131B00105B5}"/>
+          </ac:spMkLst>
+        </pc:spChg>
+        <pc:spChg chg="add mod">
+          <ac:chgData name="Mochammad Irzan" userId="179137ea-2c9c-4136-bf34-44c697e89af7" providerId="ADAL" clId="{24954436-AF45-F947-831D-F9208AED373C}" dt="2022-05-08T04:21:13.115" v="69" actId="1076"/>
+          <ac:spMkLst>
+            <pc:docMk/>
+            <pc:sldMk cId="973111361" sldId="350"/>
+            <ac:spMk id="56" creationId="{C3BBAE6E-8E7D-0190-B141-23080DE3BFC0}"/>
+          </ac:spMkLst>
+        </pc:spChg>
+        <pc:spChg chg="add mod">
+          <ac:chgData name="Mochammad Irzan" userId="179137ea-2c9c-4136-bf34-44c697e89af7" providerId="ADAL" clId="{24954436-AF45-F947-831D-F9208AED373C}" dt="2022-05-08T04:21:27.757" v="83" actId="1076"/>
+          <ac:spMkLst>
+            <pc:docMk/>
+            <pc:sldMk cId="973111361" sldId="350"/>
+            <ac:spMk id="57" creationId="{0FE3BF99-E61A-672B-7A6A-CFF8B633977C}"/>
+          </ac:spMkLst>
+        </pc:spChg>
+        <pc:cxnChg chg="mod">
+          <ac:chgData name="Mochammad Irzan" userId="179137ea-2c9c-4136-bf34-44c697e89af7" providerId="ADAL" clId="{24954436-AF45-F947-831D-F9208AED373C}" dt="2022-05-08T04:19:28.995" v="40" actId="1076"/>
+          <ac:cxnSpMkLst>
+            <pc:docMk/>
+            <pc:sldMk cId="973111361" sldId="350"/>
+            <ac:cxnSpMk id="7" creationId="{04FBE105-CFE2-4B41-B932-31F2B7749442}"/>
+          </ac:cxnSpMkLst>
+        </pc:cxnChg>
+        <pc:cxnChg chg="del mod">
+          <ac:chgData name="Mochammad Irzan" userId="179137ea-2c9c-4136-bf34-44c697e89af7" providerId="ADAL" clId="{24954436-AF45-F947-831D-F9208AED373C}" dt="2022-05-07T14:40:38.625" v="8" actId="478"/>
+          <ac:cxnSpMkLst>
+            <pc:docMk/>
+            <pc:sldMk cId="973111361" sldId="350"/>
+            <ac:cxnSpMk id="11" creationId="{8D09981C-C994-7345-B223-78E7A5E34421}"/>
+          </ac:cxnSpMkLst>
+        </pc:cxnChg>
+        <pc:cxnChg chg="add mod">
+          <ac:chgData name="Mochammad Irzan" userId="179137ea-2c9c-4136-bf34-44c697e89af7" providerId="ADAL" clId="{24954436-AF45-F947-831D-F9208AED373C}" dt="2022-05-08T04:19:13.601" v="37" actId="208"/>
+          <ac:cxnSpMkLst>
+            <pc:docMk/>
+            <pc:sldMk cId="973111361" sldId="350"/>
+            <ac:cxnSpMk id="35" creationId="{CC909D9F-67F7-78C5-1477-5072094A3E35}"/>
+          </ac:cxnSpMkLst>
+        </pc:cxnChg>
+        <pc:cxnChg chg="add mod">
+          <ac:chgData name="Mochammad Irzan" userId="179137ea-2c9c-4136-bf34-44c697e89af7" providerId="ADAL" clId="{24954436-AF45-F947-831D-F9208AED373C}" dt="2022-05-08T04:19:40.830" v="43" actId="14100"/>
+          <ac:cxnSpMkLst>
+            <pc:docMk/>
+            <pc:sldMk cId="973111361" sldId="350"/>
+            <ac:cxnSpMk id="46" creationId="{1C717C69-EC21-BC78-2836-A4D9DDC8B9EC}"/>
+          </ac:cxnSpMkLst>
+        </pc:cxnChg>
+        <pc:cxnChg chg="add mod">
+          <ac:chgData name="Mochammad Irzan" userId="179137ea-2c9c-4136-bf34-44c697e89af7" providerId="ADAL" clId="{24954436-AF45-F947-831D-F9208AED373C}" dt="2022-05-08T04:19:52.663" v="47" actId="14100"/>
+          <ac:cxnSpMkLst>
+            <pc:docMk/>
+            <pc:sldMk cId="973111361" sldId="350"/>
+            <ac:cxnSpMk id="50" creationId="{533F327B-41E7-4BAC-4E67-0DC89485D3D0}"/>
+          </ac:cxnSpMkLst>
+        </pc:cxnChg>
+        <pc:cxnChg chg="add mod">
+          <ac:chgData name="Mochammad Irzan" userId="179137ea-2c9c-4136-bf34-44c697e89af7" providerId="ADAL" clId="{24954436-AF45-F947-831D-F9208AED373C}" dt="2022-05-08T04:20:33.573" v="53" actId="14100"/>
+          <ac:cxnSpMkLst>
+            <pc:docMk/>
+            <pc:sldMk cId="973111361" sldId="350"/>
+            <ac:cxnSpMk id="53" creationId="{C1CC23EF-480B-4FD8-3400-1E111F154052}"/>
+          </ac:cxnSpMkLst>
+        </pc:cxnChg>
+      </pc:sldChg>
+    </pc:docChg>
+  </pc:docChgLst>
 </pc:chgInfo>
 </file>
 
@@ -4650,7 +4915,7 @@
           </a:lstStyle>
           <a:p>
             <a:fld id="{621DBF5E-F9DA-E244-A1D7-75DF92F4D361}" type="datetimeFigureOut">
-              <a:t>5/7/22</a:t>
+              <a:t>6/2/22</a:t>
             </a:fld>
             <a:endParaRPr lang="en-US"/>
           </a:p>
@@ -5228,7 +5493,7 @@
           <a:lstStyle/>
           <a:p>
             <a:fld id="{B726C297-4F7F-9746-AEE4-C6994E1382CE}" type="datetimeFigureOut">
-              <a:t>5/7/22</a:t>
+              <a:t>6/2/22</a:t>
             </a:fld>
             <a:endParaRPr lang="en-US"/>
           </a:p>
@@ -5424,7 +5689,7 @@
           <a:lstStyle/>
           <a:p>
             <a:fld id="{B726C297-4F7F-9746-AEE4-C6994E1382CE}" type="datetimeFigureOut">
-              <a:t>5/7/22</a:t>
+              <a:t>6/2/22</a:t>
             </a:fld>
             <a:endParaRPr lang="en-US"/>
           </a:p>
@@ -5630,7 +5895,7 @@
           <a:lstStyle/>
           <a:p>
             <a:fld id="{B726C297-4F7F-9746-AEE4-C6994E1382CE}" type="datetimeFigureOut">
-              <a:t>5/7/22</a:t>
+              <a:t>6/2/22</a:t>
             </a:fld>
             <a:endParaRPr lang="en-US"/>
           </a:p>
@@ -5826,7 +6091,7 @@
           <a:lstStyle/>
           <a:p>
             <a:fld id="{B726C297-4F7F-9746-AEE4-C6994E1382CE}" type="datetimeFigureOut">
-              <a:t>5/7/22</a:t>
+              <a:t>6/2/22</a:t>
             </a:fld>
             <a:endParaRPr lang="en-US"/>
           </a:p>
@@ -6099,7 +6364,7 @@
           <a:lstStyle/>
           <a:p>
             <a:fld id="{B726C297-4F7F-9746-AEE4-C6994E1382CE}" type="datetimeFigureOut">
-              <a:t>5/7/22</a:t>
+              <a:t>6/2/22</a:t>
             </a:fld>
             <a:endParaRPr lang="en-US"/>
           </a:p>
@@ -6362,7 +6627,7 @@
           <a:lstStyle/>
           <a:p>
             <a:fld id="{B726C297-4F7F-9746-AEE4-C6994E1382CE}" type="datetimeFigureOut">
-              <a:t>5/7/22</a:t>
+              <a:t>6/2/22</a:t>
             </a:fld>
             <a:endParaRPr lang="en-US"/>
           </a:p>
@@ -6772,7 +7037,7 @@
           <a:lstStyle/>
           <a:p>
             <a:fld id="{B726C297-4F7F-9746-AEE4-C6994E1382CE}" type="datetimeFigureOut">
-              <a:t>5/7/22</a:t>
+              <a:t>6/2/22</a:t>
             </a:fld>
             <a:endParaRPr lang="en-US"/>
           </a:p>
@@ -6911,7 +7176,7 @@
           <a:lstStyle/>
           <a:p>
             <a:fld id="{B726C297-4F7F-9746-AEE4-C6994E1382CE}" type="datetimeFigureOut">
-              <a:t>5/7/22</a:t>
+              <a:t>6/2/22</a:t>
             </a:fld>
             <a:endParaRPr lang="en-US"/>
           </a:p>
@@ -7022,7 +7287,7 @@
           <a:lstStyle/>
           <a:p>
             <a:fld id="{B726C297-4F7F-9746-AEE4-C6994E1382CE}" type="datetimeFigureOut">
-              <a:t>5/7/22</a:t>
+              <a:t>6/2/22</a:t>
             </a:fld>
             <a:endParaRPr lang="en-US"/>
           </a:p>
@@ -7331,7 +7596,7 @@
           <a:lstStyle/>
           <a:p>
             <a:fld id="{B726C297-4F7F-9746-AEE4-C6994E1382CE}" type="datetimeFigureOut">
-              <a:t>5/7/22</a:t>
+              <a:t>6/2/22</a:t>
             </a:fld>
             <a:endParaRPr lang="en-US"/>
           </a:p>
@@ -7617,7 +7882,7 @@
           <a:lstStyle/>
           <a:p>
             <a:fld id="{B726C297-4F7F-9746-AEE4-C6994E1382CE}" type="datetimeFigureOut">
-              <a:t>5/7/22</a:t>
+              <a:t>6/2/22</a:t>
             </a:fld>
             <a:endParaRPr lang="en-US"/>
           </a:p>
@@ -7856,7 +8121,7 @@
           </a:lstStyle>
           <a:p>
             <a:fld id="{B726C297-4F7F-9746-AEE4-C6994E1382CE}" type="datetimeFigureOut">
-              <a:t>5/7/22</a:t>
+              <a:t>6/2/22</a:t>
             </a:fld>
             <a:endParaRPr lang="en-US"/>
           </a:p>
@@ -50157,6 +50422,1419 @@
 </p:sld>
 </file>
 
+<file path=ppt/slides/slide31.xml><?xml version="1.0" encoding="utf-8"?>
+<p:sld xmlns:a="http://schemas.openxmlformats.org/drawingml/2006/main" xmlns:r="http://schemas.openxmlformats.org/officeDocument/2006/relationships" xmlns:p="http://schemas.openxmlformats.org/presentationml/2006/main">
+  <p:cSld>
+    <p:spTree>
+      <p:nvGrpSpPr>
+        <p:cNvPr id="1" name=""/>
+        <p:cNvGrpSpPr/>
+        <p:nvPr/>
+      </p:nvGrpSpPr>
+      <p:grpSpPr>
+        <a:xfrm>
+          <a:off x="0" y="0"/>
+          <a:ext cx="0" cy="0"/>
+          <a:chOff x="0" y="0"/>
+          <a:chExt cx="0" cy="0"/>
+        </a:xfrm>
+      </p:grpSpPr>
+      <p:cxnSp>
+        <p:nvCxnSpPr>
+          <p:cNvPr id="45" name="Straight Connector 44">
+            <a:extLst>
+              <a:ext uri="{FF2B5EF4-FFF2-40B4-BE49-F238E27FC236}">
+                <a16:creationId xmlns:a16="http://schemas.microsoft.com/office/drawing/2014/main" id="{D521C901-88C6-CC2F-3346-02B3D2C4EBF3}"/>
+              </a:ext>
+            </a:extLst>
+          </p:cNvPr>
+          <p:cNvCxnSpPr>
+            <a:stCxn id="43" idx="3"/>
+          </p:cNvCxnSpPr>
+          <p:nvPr/>
+        </p:nvCxnSpPr>
+        <p:spPr>
+          <a:xfrm>
+            <a:off x="2281800" y="3867167"/>
+            <a:ext cx="7912524" cy="0"/>
+          </a:xfrm>
+          <a:prstGeom prst="line">
+            <a:avLst/>
+          </a:prstGeom>
+          <a:ln>
+            <a:prstDash val="dash"/>
+          </a:ln>
+        </p:spPr>
+        <p:style>
+          <a:lnRef idx="1">
+            <a:schemeClr val="accent1"/>
+          </a:lnRef>
+          <a:fillRef idx="0">
+            <a:schemeClr val="accent1"/>
+          </a:fillRef>
+          <a:effectRef idx="0">
+            <a:schemeClr val="accent1"/>
+          </a:effectRef>
+          <a:fontRef idx="minor">
+            <a:schemeClr val="tx1"/>
+          </a:fontRef>
+        </p:style>
+      </p:cxnSp>
+      <p:sp>
+        <p:nvSpPr>
+          <p:cNvPr id="2" name="Title 1">
+            <a:extLst>
+              <a:ext uri="{FF2B5EF4-FFF2-40B4-BE49-F238E27FC236}">
+                <a16:creationId xmlns:a16="http://schemas.microsoft.com/office/drawing/2014/main" id="{53C96E34-7008-6EF8-F9D2-2650A400DC35}"/>
+              </a:ext>
+            </a:extLst>
+          </p:cNvPr>
+          <p:cNvSpPr>
+            <a:spLocks noGrp="1"/>
+          </p:cNvSpPr>
+          <p:nvPr>
+            <p:ph type="title"/>
+          </p:nvPr>
+        </p:nvSpPr>
+        <p:spPr/>
+        <p:txBody>
+          <a:bodyPr/>
+          <a:lstStyle/>
+          <a:p>
+            <a:r>
+              <a:rPr lang="en-US" dirty="0"/>
+              <a:t>Kubernetes network policy</a:t>
+            </a:r>
+          </a:p>
+        </p:txBody>
+      </p:sp>
+      <p:sp>
+        <p:nvSpPr>
+          <p:cNvPr id="3" name="Rounded Rectangle 2">
+            <a:extLst>
+              <a:ext uri="{FF2B5EF4-FFF2-40B4-BE49-F238E27FC236}">
+                <a16:creationId xmlns:a16="http://schemas.microsoft.com/office/drawing/2014/main" id="{EB57B068-63E8-9BA5-95D0-E9C5BF2D8EC4}"/>
+              </a:ext>
+            </a:extLst>
+          </p:cNvPr>
+          <p:cNvSpPr/>
+          <p:nvPr/>
+        </p:nvSpPr>
+        <p:spPr>
+          <a:xfrm>
+            <a:off x="2760812" y="3588643"/>
+            <a:ext cx="1460938" cy="557048"/>
+          </a:xfrm>
+          <a:prstGeom prst="roundRect">
+            <a:avLst/>
+          </a:prstGeom>
+          <a:ln>
+            <a:noFill/>
+          </a:ln>
+        </p:spPr>
+        <p:style>
+          <a:lnRef idx="2">
+            <a:schemeClr val="accent1">
+              <a:shade val="50000"/>
+            </a:schemeClr>
+          </a:lnRef>
+          <a:fillRef idx="1">
+            <a:schemeClr val="accent1"/>
+          </a:fillRef>
+          <a:effectRef idx="0">
+            <a:schemeClr val="accent1"/>
+          </a:effectRef>
+          <a:fontRef idx="minor">
+            <a:schemeClr val="lt1"/>
+          </a:fontRef>
+        </p:style>
+        <p:txBody>
+          <a:bodyPr rtlCol="0" anchor="ctr"/>
+          <a:lstStyle/>
+          <a:p>
+            <a:pPr algn="ctr"/>
+            <a:r>
+              <a:rPr lang="en-US" dirty="0"/>
+              <a:t>webserver</a:t>
+            </a:r>
+          </a:p>
+        </p:txBody>
+      </p:sp>
+      <p:sp>
+        <p:nvSpPr>
+          <p:cNvPr id="4" name="Rounded Rectangle 3">
+            <a:extLst>
+              <a:ext uri="{FF2B5EF4-FFF2-40B4-BE49-F238E27FC236}">
+                <a16:creationId xmlns:a16="http://schemas.microsoft.com/office/drawing/2014/main" id="{3016502F-E29A-2D31-F4E5-2B0566813738}"/>
+              </a:ext>
+            </a:extLst>
+          </p:cNvPr>
+          <p:cNvSpPr/>
+          <p:nvPr/>
+        </p:nvSpPr>
+        <p:spPr>
+          <a:xfrm>
+            <a:off x="2760812" y="5233512"/>
+            <a:ext cx="1460938" cy="685800"/>
+          </a:xfrm>
+          <a:prstGeom prst="roundRect">
+            <a:avLst/>
+          </a:prstGeom>
+          <a:solidFill>
+            <a:srgbClr val="92D050"/>
+          </a:solidFill>
+          <a:ln>
+            <a:noFill/>
+          </a:ln>
+        </p:spPr>
+        <p:style>
+          <a:lnRef idx="2">
+            <a:schemeClr val="accent1">
+              <a:shade val="50000"/>
+            </a:schemeClr>
+          </a:lnRef>
+          <a:fillRef idx="1">
+            <a:schemeClr val="accent1"/>
+          </a:fillRef>
+          <a:effectRef idx="0">
+            <a:schemeClr val="accent1"/>
+          </a:effectRef>
+          <a:fontRef idx="minor">
+            <a:schemeClr val="lt1"/>
+          </a:fontRef>
+        </p:style>
+        <p:txBody>
+          <a:bodyPr rtlCol="0" anchor="ctr"/>
+          <a:lstStyle/>
+          <a:p>
+            <a:pPr algn="ctr"/>
+            <a:r>
+              <a:rPr lang="en-US" dirty="0">
+                <a:solidFill>
+                  <a:schemeClr val="tx1"/>
+                </a:solidFill>
+              </a:rPr>
+              <a:t>Webserver pod</a:t>
+            </a:r>
+          </a:p>
+        </p:txBody>
+      </p:sp>
+      <p:sp>
+        <p:nvSpPr>
+          <p:cNvPr id="5" name="Rounded Rectangle 4">
+            <a:extLst>
+              <a:ext uri="{FF2B5EF4-FFF2-40B4-BE49-F238E27FC236}">
+                <a16:creationId xmlns:a16="http://schemas.microsoft.com/office/drawing/2014/main" id="{54C1162E-DFDD-0BF4-4150-822217120BDB}"/>
+              </a:ext>
+            </a:extLst>
+          </p:cNvPr>
+          <p:cNvSpPr/>
+          <p:nvPr/>
+        </p:nvSpPr>
+        <p:spPr>
+          <a:xfrm>
+            <a:off x="4489764" y="5233512"/>
+            <a:ext cx="1460938" cy="685800"/>
+          </a:xfrm>
+          <a:prstGeom prst="roundRect">
+            <a:avLst/>
+          </a:prstGeom>
+          <a:solidFill>
+            <a:srgbClr val="92D050"/>
+          </a:solidFill>
+          <a:ln>
+            <a:noFill/>
+          </a:ln>
+        </p:spPr>
+        <p:style>
+          <a:lnRef idx="2">
+            <a:schemeClr val="accent1">
+              <a:shade val="50000"/>
+            </a:schemeClr>
+          </a:lnRef>
+          <a:fillRef idx="1">
+            <a:schemeClr val="accent1"/>
+          </a:fillRef>
+          <a:effectRef idx="0">
+            <a:schemeClr val="accent1"/>
+          </a:effectRef>
+          <a:fontRef idx="minor">
+            <a:schemeClr val="lt1"/>
+          </a:fontRef>
+        </p:style>
+        <p:txBody>
+          <a:bodyPr rtlCol="0" anchor="ctr"/>
+          <a:lstStyle/>
+          <a:p>
+            <a:pPr algn="ctr"/>
+            <a:r>
+              <a:rPr lang="en-US" dirty="0">
+                <a:solidFill>
+                  <a:schemeClr val="tx1"/>
+                </a:solidFill>
+              </a:rPr>
+              <a:t>Webserver pod</a:t>
+            </a:r>
+          </a:p>
+        </p:txBody>
+      </p:sp>
+      <p:sp>
+        <p:nvSpPr>
+          <p:cNvPr id="6" name="Rounded Rectangle 5">
+            <a:extLst>
+              <a:ext uri="{FF2B5EF4-FFF2-40B4-BE49-F238E27FC236}">
+                <a16:creationId xmlns:a16="http://schemas.microsoft.com/office/drawing/2014/main" id="{CDFAC6B9-9E42-A071-0033-6E90CA6246B0}"/>
+              </a:ext>
+            </a:extLst>
+          </p:cNvPr>
+          <p:cNvSpPr/>
+          <p:nvPr/>
+        </p:nvSpPr>
+        <p:spPr>
+          <a:xfrm>
+            <a:off x="1031860" y="5233512"/>
+            <a:ext cx="1460938" cy="685800"/>
+          </a:xfrm>
+          <a:prstGeom prst="roundRect">
+            <a:avLst/>
+          </a:prstGeom>
+          <a:solidFill>
+            <a:srgbClr val="92D050"/>
+          </a:solidFill>
+          <a:ln>
+            <a:noFill/>
+          </a:ln>
+        </p:spPr>
+        <p:style>
+          <a:lnRef idx="2">
+            <a:schemeClr val="accent1">
+              <a:shade val="50000"/>
+            </a:schemeClr>
+          </a:lnRef>
+          <a:fillRef idx="1">
+            <a:schemeClr val="accent1"/>
+          </a:fillRef>
+          <a:effectRef idx="0">
+            <a:schemeClr val="accent1"/>
+          </a:effectRef>
+          <a:fontRef idx="minor">
+            <a:schemeClr val="lt1"/>
+          </a:fontRef>
+        </p:style>
+        <p:txBody>
+          <a:bodyPr rtlCol="0" anchor="ctr"/>
+          <a:lstStyle/>
+          <a:p>
+            <a:pPr algn="ctr"/>
+            <a:r>
+              <a:rPr lang="en-US" dirty="0">
+                <a:solidFill>
+                  <a:schemeClr val="tx1"/>
+                </a:solidFill>
+              </a:rPr>
+              <a:t>Webserver pod</a:t>
+            </a:r>
+          </a:p>
+        </p:txBody>
+      </p:sp>
+      <p:sp>
+        <p:nvSpPr>
+          <p:cNvPr id="7" name="Rounded Rectangle 6">
+            <a:extLst>
+              <a:ext uri="{FF2B5EF4-FFF2-40B4-BE49-F238E27FC236}">
+                <a16:creationId xmlns:a16="http://schemas.microsoft.com/office/drawing/2014/main" id="{1D9BAC30-D61F-5A6B-6653-832EFC91863D}"/>
+              </a:ext>
+            </a:extLst>
+          </p:cNvPr>
+          <p:cNvSpPr/>
+          <p:nvPr/>
+        </p:nvSpPr>
+        <p:spPr>
+          <a:xfrm>
+            <a:off x="8494205" y="3588643"/>
+            <a:ext cx="1460938" cy="557048"/>
+          </a:xfrm>
+          <a:prstGeom prst="roundRect">
+            <a:avLst/>
+          </a:prstGeom>
+          <a:ln>
+            <a:noFill/>
+          </a:ln>
+        </p:spPr>
+        <p:style>
+          <a:lnRef idx="2">
+            <a:schemeClr val="accent1">
+              <a:shade val="50000"/>
+            </a:schemeClr>
+          </a:lnRef>
+          <a:fillRef idx="1">
+            <a:schemeClr val="accent1"/>
+          </a:fillRef>
+          <a:effectRef idx="0">
+            <a:schemeClr val="accent1"/>
+          </a:effectRef>
+          <a:fontRef idx="minor">
+            <a:schemeClr val="lt1"/>
+          </a:fontRef>
+        </p:style>
+        <p:txBody>
+          <a:bodyPr rtlCol="0" anchor="ctr"/>
+          <a:lstStyle/>
+          <a:p>
+            <a:pPr algn="ctr"/>
+            <a:r>
+              <a:rPr lang="en-US" dirty="0" err="1"/>
+              <a:t>dbserver</a:t>
+            </a:r>
+            <a:endParaRPr lang="en-US" dirty="0"/>
+          </a:p>
+        </p:txBody>
+      </p:sp>
+      <p:sp>
+        <p:nvSpPr>
+          <p:cNvPr id="8" name="Rounded Rectangle 7">
+            <a:extLst>
+              <a:ext uri="{FF2B5EF4-FFF2-40B4-BE49-F238E27FC236}">
+                <a16:creationId xmlns:a16="http://schemas.microsoft.com/office/drawing/2014/main" id="{DC2B6E6F-8AEC-8D60-A73C-7B0D9A923959}"/>
+              </a:ext>
+            </a:extLst>
+          </p:cNvPr>
+          <p:cNvSpPr/>
+          <p:nvPr/>
+        </p:nvSpPr>
+        <p:spPr>
+          <a:xfrm>
+            <a:off x="9377074" y="5233512"/>
+            <a:ext cx="1460938" cy="685800"/>
+          </a:xfrm>
+          <a:prstGeom prst="roundRect">
+            <a:avLst/>
+          </a:prstGeom>
+          <a:solidFill>
+            <a:srgbClr val="92D050"/>
+          </a:solidFill>
+          <a:ln>
+            <a:noFill/>
+          </a:ln>
+        </p:spPr>
+        <p:style>
+          <a:lnRef idx="2">
+            <a:schemeClr val="accent1">
+              <a:shade val="50000"/>
+            </a:schemeClr>
+          </a:lnRef>
+          <a:fillRef idx="1">
+            <a:schemeClr val="accent1"/>
+          </a:fillRef>
+          <a:effectRef idx="0">
+            <a:schemeClr val="accent1"/>
+          </a:effectRef>
+          <a:fontRef idx="minor">
+            <a:schemeClr val="lt1"/>
+          </a:fontRef>
+        </p:style>
+        <p:txBody>
+          <a:bodyPr rtlCol="0" anchor="ctr"/>
+          <a:lstStyle/>
+          <a:p>
+            <a:pPr algn="ctr"/>
+            <a:r>
+              <a:rPr lang="en-US" dirty="0" err="1">
+                <a:solidFill>
+                  <a:schemeClr val="tx1"/>
+                </a:solidFill>
+              </a:rPr>
+              <a:t>dbserver</a:t>
+            </a:r>
+            <a:r>
+              <a:rPr lang="en-US" dirty="0">
+                <a:solidFill>
+                  <a:schemeClr val="tx1"/>
+                </a:solidFill>
+              </a:rPr>
+              <a:t> pod</a:t>
+            </a:r>
+          </a:p>
+        </p:txBody>
+      </p:sp>
+      <p:sp>
+        <p:nvSpPr>
+          <p:cNvPr id="10" name="Rounded Rectangle 9">
+            <a:extLst>
+              <a:ext uri="{FF2B5EF4-FFF2-40B4-BE49-F238E27FC236}">
+                <a16:creationId xmlns:a16="http://schemas.microsoft.com/office/drawing/2014/main" id="{E0E42733-CCC8-A477-B501-55971A409D18}"/>
+              </a:ext>
+            </a:extLst>
+          </p:cNvPr>
+          <p:cNvSpPr/>
+          <p:nvPr/>
+        </p:nvSpPr>
+        <p:spPr>
+          <a:xfrm>
+            <a:off x="7648122" y="5233512"/>
+            <a:ext cx="1460938" cy="685800"/>
+          </a:xfrm>
+          <a:prstGeom prst="roundRect">
+            <a:avLst/>
+          </a:prstGeom>
+          <a:solidFill>
+            <a:srgbClr val="92D050"/>
+          </a:solidFill>
+          <a:ln>
+            <a:noFill/>
+          </a:ln>
+        </p:spPr>
+        <p:style>
+          <a:lnRef idx="2">
+            <a:schemeClr val="accent1">
+              <a:shade val="50000"/>
+            </a:schemeClr>
+          </a:lnRef>
+          <a:fillRef idx="1">
+            <a:schemeClr val="accent1"/>
+          </a:fillRef>
+          <a:effectRef idx="0">
+            <a:schemeClr val="accent1"/>
+          </a:effectRef>
+          <a:fontRef idx="minor">
+            <a:schemeClr val="lt1"/>
+          </a:fontRef>
+        </p:style>
+        <p:txBody>
+          <a:bodyPr rtlCol="0" anchor="ctr"/>
+          <a:lstStyle/>
+          <a:p>
+            <a:pPr algn="ctr"/>
+            <a:r>
+              <a:rPr lang="en-US" dirty="0" err="1">
+                <a:solidFill>
+                  <a:schemeClr val="tx1"/>
+                </a:solidFill>
+              </a:rPr>
+              <a:t>dbserver</a:t>
+            </a:r>
+            <a:r>
+              <a:rPr lang="en-US" dirty="0">
+                <a:solidFill>
+                  <a:schemeClr val="tx1"/>
+                </a:solidFill>
+              </a:rPr>
+              <a:t> pod</a:t>
+            </a:r>
+          </a:p>
+        </p:txBody>
+      </p:sp>
+      <p:cxnSp>
+        <p:nvCxnSpPr>
+          <p:cNvPr id="12" name="Straight Arrow Connector 11">
+            <a:extLst>
+              <a:ext uri="{FF2B5EF4-FFF2-40B4-BE49-F238E27FC236}">
+                <a16:creationId xmlns:a16="http://schemas.microsoft.com/office/drawing/2014/main" id="{37516A88-0725-30AF-9C10-7C1CED7DA88B}"/>
+              </a:ext>
+            </a:extLst>
+          </p:cNvPr>
+          <p:cNvCxnSpPr>
+            <a:stCxn id="3" idx="2"/>
+            <a:endCxn id="6" idx="0"/>
+          </p:cNvCxnSpPr>
+          <p:nvPr/>
+        </p:nvCxnSpPr>
+        <p:spPr>
+          <a:xfrm flipH="1">
+            <a:off x="1762329" y="4145691"/>
+            <a:ext cx="1728952" cy="1087821"/>
+          </a:xfrm>
+          <a:prstGeom prst="straightConnector1">
+            <a:avLst/>
+          </a:prstGeom>
+          <a:ln w="12700">
+            <a:prstDash val="sysDash"/>
+            <a:tailEnd type="triangle"/>
+          </a:ln>
+        </p:spPr>
+        <p:style>
+          <a:lnRef idx="1">
+            <a:schemeClr val="accent1"/>
+          </a:lnRef>
+          <a:fillRef idx="0">
+            <a:schemeClr val="accent1"/>
+          </a:fillRef>
+          <a:effectRef idx="0">
+            <a:schemeClr val="accent1"/>
+          </a:effectRef>
+          <a:fontRef idx="minor">
+            <a:schemeClr val="tx1"/>
+          </a:fontRef>
+        </p:style>
+      </p:cxnSp>
+      <p:cxnSp>
+        <p:nvCxnSpPr>
+          <p:cNvPr id="13" name="Straight Arrow Connector 12">
+            <a:extLst>
+              <a:ext uri="{FF2B5EF4-FFF2-40B4-BE49-F238E27FC236}">
+                <a16:creationId xmlns:a16="http://schemas.microsoft.com/office/drawing/2014/main" id="{762EB2B3-E2E0-6299-6611-731E86B675DA}"/>
+              </a:ext>
+            </a:extLst>
+          </p:cNvPr>
+          <p:cNvCxnSpPr>
+            <a:cxnSpLocks/>
+            <a:stCxn id="3" idx="2"/>
+            <a:endCxn id="4" idx="0"/>
+          </p:cNvCxnSpPr>
+          <p:nvPr/>
+        </p:nvCxnSpPr>
+        <p:spPr>
+          <a:xfrm>
+            <a:off x="3491281" y="4145691"/>
+            <a:ext cx="0" cy="1087821"/>
+          </a:xfrm>
+          <a:prstGeom prst="straightConnector1">
+            <a:avLst/>
+          </a:prstGeom>
+          <a:ln w="12700">
+            <a:prstDash val="sysDash"/>
+            <a:tailEnd type="triangle"/>
+          </a:ln>
+        </p:spPr>
+        <p:style>
+          <a:lnRef idx="1">
+            <a:schemeClr val="accent1"/>
+          </a:lnRef>
+          <a:fillRef idx="0">
+            <a:schemeClr val="accent1"/>
+          </a:fillRef>
+          <a:effectRef idx="0">
+            <a:schemeClr val="accent1"/>
+          </a:effectRef>
+          <a:fontRef idx="minor">
+            <a:schemeClr val="tx1"/>
+          </a:fontRef>
+        </p:style>
+      </p:cxnSp>
+      <p:cxnSp>
+        <p:nvCxnSpPr>
+          <p:cNvPr id="16" name="Straight Arrow Connector 15">
+            <a:extLst>
+              <a:ext uri="{FF2B5EF4-FFF2-40B4-BE49-F238E27FC236}">
+                <a16:creationId xmlns:a16="http://schemas.microsoft.com/office/drawing/2014/main" id="{F3458775-BA77-3D3A-31AE-019C4147B912}"/>
+              </a:ext>
+            </a:extLst>
+          </p:cNvPr>
+          <p:cNvCxnSpPr>
+            <a:cxnSpLocks/>
+            <a:stCxn id="3" idx="2"/>
+            <a:endCxn id="5" idx="0"/>
+          </p:cNvCxnSpPr>
+          <p:nvPr/>
+        </p:nvCxnSpPr>
+        <p:spPr>
+          <a:xfrm>
+            <a:off x="3491281" y="4145691"/>
+            <a:ext cx="1728952" cy="1087821"/>
+          </a:xfrm>
+          <a:prstGeom prst="straightConnector1">
+            <a:avLst/>
+          </a:prstGeom>
+          <a:ln w="12700">
+            <a:prstDash val="sysDash"/>
+            <a:tailEnd type="triangle"/>
+          </a:ln>
+        </p:spPr>
+        <p:style>
+          <a:lnRef idx="1">
+            <a:schemeClr val="accent1"/>
+          </a:lnRef>
+          <a:fillRef idx="0">
+            <a:schemeClr val="accent1"/>
+          </a:fillRef>
+          <a:effectRef idx="0">
+            <a:schemeClr val="accent1"/>
+          </a:effectRef>
+          <a:fontRef idx="minor">
+            <a:schemeClr val="tx1"/>
+          </a:fontRef>
+        </p:style>
+      </p:cxnSp>
+      <p:cxnSp>
+        <p:nvCxnSpPr>
+          <p:cNvPr id="20" name="Elbow Connector 19">
+            <a:extLst>
+              <a:ext uri="{FF2B5EF4-FFF2-40B4-BE49-F238E27FC236}">
+                <a16:creationId xmlns:a16="http://schemas.microsoft.com/office/drawing/2014/main" id="{819E0863-14FB-14A8-A505-DD6EF39C9654}"/>
+              </a:ext>
+            </a:extLst>
+          </p:cNvPr>
+          <p:cNvCxnSpPr>
+            <a:stCxn id="5" idx="2"/>
+            <a:endCxn id="7" idx="0"/>
+          </p:cNvCxnSpPr>
+          <p:nvPr/>
+        </p:nvCxnSpPr>
+        <p:spPr>
+          <a:xfrm rot="5400000" flipH="1" flipV="1">
+            <a:off x="6057118" y="2751757"/>
+            <a:ext cx="2330669" cy="4004441"/>
+          </a:xfrm>
+          <a:prstGeom prst="bentConnector5">
+            <a:avLst>
+              <a:gd name="adj1" fmla="val -7553"/>
+              <a:gd name="adj2" fmla="val 25591"/>
+              <a:gd name="adj3" fmla="val 126493"/>
+            </a:avLst>
+          </a:prstGeom>
+          <a:ln w="12700">
+            <a:solidFill>
+              <a:srgbClr val="FF0000"/>
+            </a:solidFill>
+            <a:prstDash val="sysDot"/>
+            <a:tailEnd type="triangle"/>
+          </a:ln>
+        </p:spPr>
+        <p:style>
+          <a:lnRef idx="1">
+            <a:schemeClr val="accent1"/>
+          </a:lnRef>
+          <a:fillRef idx="0">
+            <a:schemeClr val="accent1"/>
+          </a:fillRef>
+          <a:effectRef idx="0">
+            <a:schemeClr val="accent1"/>
+          </a:effectRef>
+          <a:fontRef idx="minor">
+            <a:schemeClr val="tx1"/>
+          </a:fontRef>
+        </p:style>
+      </p:cxnSp>
+      <p:cxnSp>
+        <p:nvCxnSpPr>
+          <p:cNvPr id="23" name="Elbow Connector 22">
+            <a:extLst>
+              <a:ext uri="{FF2B5EF4-FFF2-40B4-BE49-F238E27FC236}">
+                <a16:creationId xmlns:a16="http://schemas.microsoft.com/office/drawing/2014/main" id="{3F9A5EE6-1BF6-5E0C-0695-8CECB64C7136}"/>
+              </a:ext>
+            </a:extLst>
+          </p:cNvPr>
+          <p:cNvCxnSpPr>
+            <a:cxnSpLocks/>
+            <a:stCxn id="4" idx="2"/>
+            <a:endCxn id="7" idx="0"/>
+          </p:cNvCxnSpPr>
+          <p:nvPr/>
+        </p:nvCxnSpPr>
+        <p:spPr>
+          <a:xfrm rot="5400000" flipH="1" flipV="1">
+            <a:off x="5192642" y="1887281"/>
+            <a:ext cx="2330669" cy="5733393"/>
+          </a:xfrm>
+          <a:prstGeom prst="bentConnector5">
+            <a:avLst>
+              <a:gd name="adj1" fmla="val -15670"/>
+              <a:gd name="adj2" fmla="val 57149"/>
+              <a:gd name="adj3" fmla="val 119278"/>
+            </a:avLst>
+          </a:prstGeom>
+          <a:ln w="12700">
+            <a:solidFill>
+              <a:srgbClr val="FF0000"/>
+            </a:solidFill>
+            <a:prstDash val="sysDot"/>
+            <a:tailEnd type="triangle"/>
+          </a:ln>
+        </p:spPr>
+        <p:style>
+          <a:lnRef idx="1">
+            <a:schemeClr val="accent1"/>
+          </a:lnRef>
+          <a:fillRef idx="0">
+            <a:schemeClr val="accent1"/>
+          </a:fillRef>
+          <a:effectRef idx="0">
+            <a:schemeClr val="accent1"/>
+          </a:effectRef>
+          <a:fontRef idx="minor">
+            <a:schemeClr val="tx1"/>
+          </a:fontRef>
+        </p:style>
+      </p:cxnSp>
+      <p:cxnSp>
+        <p:nvCxnSpPr>
+          <p:cNvPr id="32" name="Elbow Connector 31">
+            <a:extLst>
+              <a:ext uri="{FF2B5EF4-FFF2-40B4-BE49-F238E27FC236}">
+                <a16:creationId xmlns:a16="http://schemas.microsoft.com/office/drawing/2014/main" id="{A492B101-44C3-6A2B-0432-00DE8AA00A5E}"/>
+              </a:ext>
+            </a:extLst>
+          </p:cNvPr>
+          <p:cNvCxnSpPr>
+            <a:cxnSpLocks/>
+            <a:stCxn id="6" idx="2"/>
+            <a:endCxn id="7" idx="0"/>
+          </p:cNvCxnSpPr>
+          <p:nvPr/>
+        </p:nvCxnSpPr>
+        <p:spPr>
+          <a:xfrm rot="5400000" flipH="1" flipV="1">
+            <a:off x="4328166" y="1022805"/>
+            <a:ext cx="2330669" cy="7462345"/>
+          </a:xfrm>
+          <a:prstGeom prst="bentConnector5">
+            <a:avLst>
+              <a:gd name="adj1" fmla="val -23593"/>
+              <a:gd name="adj2" fmla="val 70202"/>
+              <a:gd name="adj3" fmla="val 109808"/>
+            </a:avLst>
+          </a:prstGeom>
+          <a:ln w="12700">
+            <a:solidFill>
+              <a:srgbClr val="FF0000"/>
+            </a:solidFill>
+            <a:prstDash val="sysDot"/>
+            <a:tailEnd type="triangle"/>
+          </a:ln>
+        </p:spPr>
+        <p:style>
+          <a:lnRef idx="1">
+            <a:schemeClr val="accent1"/>
+          </a:lnRef>
+          <a:fillRef idx="0">
+            <a:schemeClr val="accent1"/>
+          </a:fillRef>
+          <a:effectRef idx="0">
+            <a:schemeClr val="accent1"/>
+          </a:effectRef>
+          <a:fontRef idx="minor">
+            <a:schemeClr val="tx1"/>
+          </a:fontRef>
+        </p:style>
+      </p:cxnSp>
+      <p:cxnSp>
+        <p:nvCxnSpPr>
+          <p:cNvPr id="37" name="Straight Arrow Connector 36">
+            <a:extLst>
+              <a:ext uri="{FF2B5EF4-FFF2-40B4-BE49-F238E27FC236}">
+                <a16:creationId xmlns:a16="http://schemas.microsoft.com/office/drawing/2014/main" id="{B1603E43-9BC0-B5B1-D8F4-07D7F0C24A8B}"/>
+              </a:ext>
+            </a:extLst>
+          </p:cNvPr>
+          <p:cNvCxnSpPr>
+            <a:cxnSpLocks/>
+            <a:stCxn id="7" idx="2"/>
+            <a:endCxn id="10" idx="0"/>
+          </p:cNvCxnSpPr>
+          <p:nvPr/>
+        </p:nvCxnSpPr>
+        <p:spPr>
+          <a:xfrm flipH="1">
+            <a:off x="8378591" y="4145691"/>
+            <a:ext cx="846083" cy="1087821"/>
+          </a:xfrm>
+          <a:prstGeom prst="straightConnector1">
+            <a:avLst/>
+          </a:prstGeom>
+          <a:ln w="12700">
+            <a:prstDash val="sysDash"/>
+            <a:tailEnd type="triangle"/>
+          </a:ln>
+        </p:spPr>
+        <p:style>
+          <a:lnRef idx="1">
+            <a:schemeClr val="accent1"/>
+          </a:lnRef>
+          <a:fillRef idx="0">
+            <a:schemeClr val="accent1"/>
+          </a:fillRef>
+          <a:effectRef idx="0">
+            <a:schemeClr val="accent1"/>
+          </a:effectRef>
+          <a:fontRef idx="minor">
+            <a:schemeClr val="tx1"/>
+          </a:fontRef>
+        </p:style>
+      </p:cxnSp>
+      <p:cxnSp>
+        <p:nvCxnSpPr>
+          <p:cNvPr id="40" name="Straight Arrow Connector 39">
+            <a:extLst>
+              <a:ext uri="{FF2B5EF4-FFF2-40B4-BE49-F238E27FC236}">
+                <a16:creationId xmlns:a16="http://schemas.microsoft.com/office/drawing/2014/main" id="{C1AA2991-89D7-800B-E9CC-AAD1E71F0EE4}"/>
+              </a:ext>
+            </a:extLst>
+          </p:cNvPr>
+          <p:cNvCxnSpPr>
+            <a:cxnSpLocks/>
+            <a:stCxn id="7" idx="2"/>
+            <a:endCxn id="8" idx="0"/>
+          </p:cNvCxnSpPr>
+          <p:nvPr/>
+        </p:nvCxnSpPr>
+        <p:spPr>
+          <a:xfrm>
+            <a:off x="9224674" y="4145691"/>
+            <a:ext cx="882869" cy="1087821"/>
+          </a:xfrm>
+          <a:prstGeom prst="straightConnector1">
+            <a:avLst/>
+          </a:prstGeom>
+          <a:ln w="12700">
+            <a:prstDash val="sysDash"/>
+            <a:tailEnd type="triangle"/>
+          </a:ln>
+        </p:spPr>
+        <p:style>
+          <a:lnRef idx="1">
+            <a:schemeClr val="accent1"/>
+          </a:lnRef>
+          <a:fillRef idx="0">
+            <a:schemeClr val="accent1"/>
+          </a:fillRef>
+          <a:effectRef idx="0">
+            <a:schemeClr val="accent1"/>
+          </a:effectRef>
+          <a:fontRef idx="minor">
+            <a:schemeClr val="tx1"/>
+          </a:fontRef>
+        </p:style>
+      </p:cxnSp>
+      <p:sp>
+        <p:nvSpPr>
+          <p:cNvPr id="43" name="TextBox 42">
+            <a:extLst>
+              <a:ext uri="{FF2B5EF4-FFF2-40B4-BE49-F238E27FC236}">
+                <a16:creationId xmlns:a16="http://schemas.microsoft.com/office/drawing/2014/main" id="{A619BCC5-7B89-CE9A-A8A2-FDD5234A1CC7}"/>
+              </a:ext>
+            </a:extLst>
+          </p:cNvPr>
+          <p:cNvSpPr txBox="1"/>
+          <p:nvPr/>
+        </p:nvSpPr>
+        <p:spPr>
+          <a:xfrm>
+            <a:off x="1439390" y="3682501"/>
+            <a:ext cx="842410" cy="369332"/>
+          </a:xfrm>
+          <a:prstGeom prst="rect">
+            <a:avLst/>
+          </a:prstGeom>
+          <a:noFill/>
+        </p:spPr>
+        <p:txBody>
+          <a:bodyPr wrap="none" rtlCol="0">
+            <a:spAutoFit/>
+          </a:bodyPr>
+          <a:lstStyle/>
+          <a:p>
+            <a:r>
+              <a:rPr lang="en-US" dirty="0"/>
+              <a:t>service</a:t>
+            </a:r>
+          </a:p>
+        </p:txBody>
+      </p:sp>
+      <p:cxnSp>
+        <p:nvCxnSpPr>
+          <p:cNvPr id="46" name="Straight Connector 45">
+            <a:extLst>
+              <a:ext uri="{FF2B5EF4-FFF2-40B4-BE49-F238E27FC236}">
+                <a16:creationId xmlns:a16="http://schemas.microsoft.com/office/drawing/2014/main" id="{8A81D3B8-A05F-8A74-A40B-FCB24A1E285C}"/>
+              </a:ext>
+            </a:extLst>
+          </p:cNvPr>
+          <p:cNvCxnSpPr>
+            <a:cxnSpLocks/>
+          </p:cNvCxnSpPr>
+          <p:nvPr/>
+        </p:nvCxnSpPr>
+        <p:spPr>
+          <a:xfrm>
+            <a:off x="741324" y="2623253"/>
+            <a:ext cx="10923454" cy="0"/>
+          </a:xfrm>
+          <a:prstGeom prst="line">
+            <a:avLst/>
+          </a:prstGeom>
+          <a:ln>
+            <a:prstDash val="dash"/>
+          </a:ln>
+        </p:spPr>
+        <p:style>
+          <a:lnRef idx="1">
+            <a:schemeClr val="accent1"/>
+          </a:lnRef>
+          <a:fillRef idx="0">
+            <a:schemeClr val="accent1"/>
+          </a:fillRef>
+          <a:effectRef idx="0">
+            <a:schemeClr val="accent1"/>
+          </a:effectRef>
+          <a:fontRef idx="minor">
+            <a:schemeClr val="tx1"/>
+          </a:fontRef>
+        </p:style>
+      </p:cxnSp>
+      <p:sp>
+        <p:nvSpPr>
+          <p:cNvPr id="48" name="TextBox 47">
+            <a:extLst>
+              <a:ext uri="{FF2B5EF4-FFF2-40B4-BE49-F238E27FC236}">
+                <a16:creationId xmlns:a16="http://schemas.microsoft.com/office/drawing/2014/main" id="{9B781BF1-CD1F-2AA4-E8F8-E283D9214382}"/>
+              </a:ext>
+            </a:extLst>
+          </p:cNvPr>
+          <p:cNvSpPr txBox="1"/>
+          <p:nvPr/>
+        </p:nvSpPr>
+        <p:spPr>
+          <a:xfrm>
+            <a:off x="741324" y="2696299"/>
+            <a:ext cx="1194301" cy="369332"/>
+          </a:xfrm>
+          <a:prstGeom prst="rect">
+            <a:avLst/>
+          </a:prstGeom>
+          <a:noFill/>
+        </p:spPr>
+        <p:txBody>
+          <a:bodyPr wrap="none" rtlCol="0">
+            <a:spAutoFit/>
+          </a:bodyPr>
+          <a:lstStyle/>
+          <a:p>
+            <a:r>
+              <a:rPr lang="en-US" dirty="0"/>
+              <a:t>K8s cluster</a:t>
+            </a:r>
+          </a:p>
+        </p:txBody>
+      </p:sp>
+      <p:sp>
+        <p:nvSpPr>
+          <p:cNvPr id="49" name="TextBox 48">
+            <a:extLst>
+              <a:ext uri="{FF2B5EF4-FFF2-40B4-BE49-F238E27FC236}">
+                <a16:creationId xmlns:a16="http://schemas.microsoft.com/office/drawing/2014/main" id="{96069776-4464-1349-BAC1-8645528A70E0}"/>
+              </a:ext>
+            </a:extLst>
+          </p:cNvPr>
+          <p:cNvSpPr txBox="1"/>
+          <p:nvPr/>
+        </p:nvSpPr>
+        <p:spPr>
+          <a:xfrm>
+            <a:off x="741324" y="2135371"/>
+            <a:ext cx="952312" cy="369332"/>
+          </a:xfrm>
+          <a:prstGeom prst="rect">
+            <a:avLst/>
+          </a:prstGeom>
+          <a:noFill/>
+        </p:spPr>
+        <p:txBody>
+          <a:bodyPr wrap="none" rtlCol="0">
+            <a:spAutoFit/>
+          </a:bodyPr>
+          <a:lstStyle/>
+          <a:p>
+            <a:r>
+              <a:rPr lang="en-US" dirty="0"/>
+              <a:t>External</a:t>
+            </a:r>
+          </a:p>
+        </p:txBody>
+      </p:sp>
+      <p:sp>
+        <p:nvSpPr>
+          <p:cNvPr id="50" name="Rounded Rectangle 49">
+            <a:extLst>
+              <a:ext uri="{FF2B5EF4-FFF2-40B4-BE49-F238E27FC236}">
+                <a16:creationId xmlns:a16="http://schemas.microsoft.com/office/drawing/2014/main" id="{C8A21D3B-6E24-F7CB-BBDE-75393BBD3083}"/>
+              </a:ext>
+            </a:extLst>
+          </p:cNvPr>
+          <p:cNvSpPr/>
+          <p:nvPr/>
+        </p:nvSpPr>
+        <p:spPr>
+          <a:xfrm>
+            <a:off x="4489764" y="1448687"/>
+            <a:ext cx="1713287" cy="557048"/>
+          </a:xfrm>
+          <a:prstGeom prst="roundRect">
+            <a:avLst/>
+          </a:prstGeom>
+          <a:ln>
+            <a:noFill/>
+          </a:ln>
+        </p:spPr>
+        <p:style>
+          <a:lnRef idx="2">
+            <a:schemeClr val="accent1">
+              <a:shade val="50000"/>
+            </a:schemeClr>
+          </a:lnRef>
+          <a:fillRef idx="1">
+            <a:schemeClr val="accent1"/>
+          </a:fillRef>
+          <a:effectRef idx="0">
+            <a:schemeClr val="accent1"/>
+          </a:effectRef>
+          <a:fontRef idx="minor">
+            <a:schemeClr val="lt1"/>
+          </a:fontRef>
+        </p:style>
+        <p:txBody>
+          <a:bodyPr rtlCol="0" anchor="ctr"/>
+          <a:lstStyle/>
+          <a:p>
+            <a:pPr algn="ctr"/>
+            <a:r>
+              <a:rPr lang="en-US" dirty="0"/>
+              <a:t>External node</a:t>
+            </a:r>
+          </a:p>
+        </p:txBody>
+      </p:sp>
+      <p:sp>
+        <p:nvSpPr>
+          <p:cNvPr id="51" name="Rounded Rectangle 50">
+            <a:extLst>
+              <a:ext uri="{FF2B5EF4-FFF2-40B4-BE49-F238E27FC236}">
+                <a16:creationId xmlns:a16="http://schemas.microsoft.com/office/drawing/2014/main" id="{8287AFBD-016C-6568-C0F8-E0037E6D16AF}"/>
+              </a:ext>
+            </a:extLst>
+          </p:cNvPr>
+          <p:cNvSpPr/>
+          <p:nvPr/>
+        </p:nvSpPr>
+        <p:spPr>
+          <a:xfrm>
+            <a:off x="6791478" y="1444249"/>
+            <a:ext cx="1713287" cy="557048"/>
+          </a:xfrm>
+          <a:prstGeom prst="roundRect">
+            <a:avLst/>
+          </a:prstGeom>
+          <a:ln>
+            <a:noFill/>
+          </a:ln>
+        </p:spPr>
+        <p:style>
+          <a:lnRef idx="2">
+            <a:schemeClr val="accent1">
+              <a:shade val="50000"/>
+            </a:schemeClr>
+          </a:lnRef>
+          <a:fillRef idx="1">
+            <a:schemeClr val="accent1"/>
+          </a:fillRef>
+          <a:effectRef idx="0">
+            <a:schemeClr val="accent1"/>
+          </a:effectRef>
+          <a:fontRef idx="minor">
+            <a:schemeClr val="lt1"/>
+          </a:fontRef>
+        </p:style>
+        <p:txBody>
+          <a:bodyPr rtlCol="0" anchor="ctr"/>
+          <a:lstStyle/>
+          <a:p>
+            <a:pPr algn="ctr"/>
+            <a:r>
+              <a:rPr lang="en-US" dirty="0"/>
+              <a:t>172.16.14.10</a:t>
+            </a:r>
+          </a:p>
+        </p:txBody>
+      </p:sp>
+      <p:cxnSp>
+        <p:nvCxnSpPr>
+          <p:cNvPr id="52" name="Straight Arrow Connector 51">
+            <a:extLst>
+              <a:ext uri="{FF2B5EF4-FFF2-40B4-BE49-F238E27FC236}">
+                <a16:creationId xmlns:a16="http://schemas.microsoft.com/office/drawing/2014/main" id="{37D7C190-36A4-C9F3-2070-302BA6B0D08C}"/>
+              </a:ext>
+            </a:extLst>
+          </p:cNvPr>
+          <p:cNvCxnSpPr>
+            <a:cxnSpLocks/>
+            <a:stCxn id="50" idx="2"/>
+            <a:endCxn id="3" idx="0"/>
+          </p:cNvCxnSpPr>
+          <p:nvPr/>
+        </p:nvCxnSpPr>
+        <p:spPr>
+          <a:xfrm flipH="1">
+            <a:off x="3491281" y="2005735"/>
+            <a:ext cx="1855127" cy="1582908"/>
+          </a:xfrm>
+          <a:prstGeom prst="straightConnector1">
+            <a:avLst/>
+          </a:prstGeom>
+          <a:ln w="12700">
+            <a:prstDash val="sysDash"/>
+            <a:tailEnd type="triangle"/>
+          </a:ln>
+        </p:spPr>
+        <p:style>
+          <a:lnRef idx="1">
+            <a:schemeClr val="accent1"/>
+          </a:lnRef>
+          <a:fillRef idx="0">
+            <a:schemeClr val="accent1"/>
+          </a:fillRef>
+          <a:effectRef idx="0">
+            <a:schemeClr val="accent1"/>
+          </a:effectRef>
+          <a:fontRef idx="minor">
+            <a:schemeClr val="tx1"/>
+          </a:fontRef>
+        </p:style>
+      </p:cxnSp>
+      <p:cxnSp>
+        <p:nvCxnSpPr>
+          <p:cNvPr id="55" name="Straight Arrow Connector 54">
+            <a:extLst>
+              <a:ext uri="{FF2B5EF4-FFF2-40B4-BE49-F238E27FC236}">
+                <a16:creationId xmlns:a16="http://schemas.microsoft.com/office/drawing/2014/main" id="{B6F2CDED-B2A4-3C76-2137-79763438809A}"/>
+              </a:ext>
+            </a:extLst>
+          </p:cNvPr>
+          <p:cNvCxnSpPr>
+            <a:cxnSpLocks/>
+            <a:stCxn id="51" idx="2"/>
+            <a:endCxn id="3" idx="0"/>
+          </p:cNvCxnSpPr>
+          <p:nvPr/>
+        </p:nvCxnSpPr>
+        <p:spPr>
+          <a:xfrm flipH="1">
+            <a:off x="3491281" y="2001297"/>
+            <a:ext cx="4156841" cy="1587346"/>
+          </a:xfrm>
+          <a:prstGeom prst="straightConnector1">
+            <a:avLst/>
+          </a:prstGeom>
+          <a:ln w="12700">
+            <a:prstDash val="sysDash"/>
+            <a:tailEnd type="triangle"/>
+          </a:ln>
+        </p:spPr>
+        <p:style>
+          <a:lnRef idx="1">
+            <a:schemeClr val="accent1"/>
+          </a:lnRef>
+          <a:fillRef idx="0">
+            <a:schemeClr val="accent1"/>
+          </a:fillRef>
+          <a:effectRef idx="0">
+            <a:schemeClr val="accent1"/>
+          </a:effectRef>
+          <a:fontRef idx="minor">
+            <a:schemeClr val="tx1"/>
+          </a:fontRef>
+        </p:style>
+      </p:cxnSp>
+      <p:cxnSp>
+        <p:nvCxnSpPr>
+          <p:cNvPr id="58" name="Straight Arrow Connector 57">
+            <a:extLst>
+              <a:ext uri="{FF2B5EF4-FFF2-40B4-BE49-F238E27FC236}">
+                <a16:creationId xmlns:a16="http://schemas.microsoft.com/office/drawing/2014/main" id="{2890A90E-5AC0-48DE-106B-262FBF2350F0}"/>
+              </a:ext>
+            </a:extLst>
+          </p:cNvPr>
+          <p:cNvCxnSpPr>
+            <a:cxnSpLocks/>
+            <a:stCxn id="51" idx="2"/>
+            <a:endCxn id="7" idx="0"/>
+          </p:cNvCxnSpPr>
+          <p:nvPr/>
+        </p:nvCxnSpPr>
+        <p:spPr>
+          <a:xfrm>
+            <a:off x="7648122" y="2001297"/>
+            <a:ext cx="1576552" cy="1587346"/>
+          </a:xfrm>
+          <a:prstGeom prst="straightConnector1">
+            <a:avLst/>
+          </a:prstGeom>
+          <a:ln w="12700">
+            <a:prstDash val="sysDash"/>
+            <a:tailEnd type="triangle"/>
+          </a:ln>
+        </p:spPr>
+        <p:style>
+          <a:lnRef idx="1">
+            <a:schemeClr val="accent1"/>
+          </a:lnRef>
+          <a:fillRef idx="0">
+            <a:schemeClr val="accent1"/>
+          </a:fillRef>
+          <a:effectRef idx="0">
+            <a:schemeClr val="accent1"/>
+          </a:effectRef>
+          <a:fontRef idx="minor">
+            <a:schemeClr val="tx1"/>
+          </a:fontRef>
+        </p:style>
+      </p:cxnSp>
+      <p:sp>
+        <p:nvSpPr>
+          <p:cNvPr id="61" name="Rounded Rectangle 60">
+            <a:extLst>
+              <a:ext uri="{FF2B5EF4-FFF2-40B4-BE49-F238E27FC236}">
+                <a16:creationId xmlns:a16="http://schemas.microsoft.com/office/drawing/2014/main" id="{CE594B21-A695-A142-C9A2-FB7A79F99E38}"/>
+              </a:ext>
+            </a:extLst>
+          </p:cNvPr>
+          <p:cNvSpPr/>
+          <p:nvPr/>
+        </p:nvSpPr>
+        <p:spPr>
+          <a:xfrm>
+            <a:off x="240422" y="4139963"/>
+            <a:ext cx="952312" cy="610393"/>
+          </a:xfrm>
+          <a:prstGeom prst="roundRect">
+            <a:avLst/>
+          </a:prstGeom>
+          <a:solidFill>
+            <a:srgbClr val="92D050"/>
+          </a:solidFill>
+          <a:ln>
+            <a:noFill/>
+          </a:ln>
+        </p:spPr>
+        <p:style>
+          <a:lnRef idx="2">
+            <a:schemeClr val="accent1">
+              <a:shade val="50000"/>
+            </a:schemeClr>
+          </a:lnRef>
+          <a:fillRef idx="1">
+            <a:schemeClr val="accent1"/>
+          </a:fillRef>
+          <a:effectRef idx="0">
+            <a:schemeClr val="accent1"/>
+          </a:effectRef>
+          <a:fontRef idx="minor">
+            <a:schemeClr val="lt1"/>
+          </a:fontRef>
+        </p:style>
+        <p:txBody>
+          <a:bodyPr rtlCol="0" anchor="ctr"/>
+          <a:lstStyle/>
+          <a:p>
+            <a:pPr algn="ctr"/>
+            <a:r>
+              <a:rPr lang="en-US" dirty="0"/>
+              <a:t>client1</a:t>
+            </a:r>
+          </a:p>
+        </p:txBody>
+      </p:sp>
+      <p:sp>
+        <p:nvSpPr>
+          <p:cNvPr id="62" name="Rounded Rectangle 61">
+            <a:extLst>
+              <a:ext uri="{FF2B5EF4-FFF2-40B4-BE49-F238E27FC236}">
+                <a16:creationId xmlns:a16="http://schemas.microsoft.com/office/drawing/2014/main" id="{FECDDE19-81ED-6973-23D2-F9CA9640C453}"/>
+              </a:ext>
+            </a:extLst>
+          </p:cNvPr>
+          <p:cNvSpPr/>
+          <p:nvPr/>
+        </p:nvSpPr>
+        <p:spPr>
+          <a:xfrm>
+            <a:off x="1317369" y="4139963"/>
+            <a:ext cx="952312" cy="610393"/>
+          </a:xfrm>
+          <a:prstGeom prst="roundRect">
+            <a:avLst/>
+          </a:prstGeom>
+          <a:solidFill>
+            <a:srgbClr val="92D050"/>
+          </a:solidFill>
+          <a:ln>
+            <a:noFill/>
+          </a:ln>
+        </p:spPr>
+        <p:style>
+          <a:lnRef idx="2">
+            <a:schemeClr val="accent1">
+              <a:shade val="50000"/>
+            </a:schemeClr>
+          </a:lnRef>
+          <a:fillRef idx="1">
+            <a:schemeClr val="accent1"/>
+          </a:fillRef>
+          <a:effectRef idx="0">
+            <a:schemeClr val="accent1"/>
+          </a:effectRef>
+          <a:fontRef idx="minor">
+            <a:schemeClr val="lt1"/>
+          </a:fontRef>
+        </p:style>
+        <p:txBody>
+          <a:bodyPr rtlCol="0" anchor="ctr"/>
+          <a:lstStyle/>
+          <a:p>
+            <a:pPr algn="ctr"/>
+            <a:r>
+              <a:rPr lang="en-US" dirty="0"/>
+              <a:t>client2</a:t>
+            </a:r>
+          </a:p>
+        </p:txBody>
+      </p:sp>
+      <p:sp>
+        <p:nvSpPr>
+          <p:cNvPr id="63" name="TextBox 62">
+            <a:extLst>
+              <a:ext uri="{FF2B5EF4-FFF2-40B4-BE49-F238E27FC236}">
+                <a16:creationId xmlns:a16="http://schemas.microsoft.com/office/drawing/2014/main" id="{496C03F1-7372-8F5D-1738-9D374E9DDF7F}"/>
+              </a:ext>
+            </a:extLst>
+          </p:cNvPr>
+          <p:cNvSpPr txBox="1"/>
+          <p:nvPr/>
+        </p:nvSpPr>
+        <p:spPr>
+          <a:xfrm>
+            <a:off x="554083" y="4001684"/>
+            <a:ext cx="1239442" cy="369332"/>
+          </a:xfrm>
+          <a:prstGeom prst="rect">
+            <a:avLst/>
+          </a:prstGeom>
+          <a:noFill/>
+        </p:spPr>
+        <p:txBody>
+          <a:bodyPr wrap="none" rtlCol="0">
+            <a:spAutoFit/>
+          </a:bodyPr>
+          <a:lstStyle/>
+          <a:p>
+            <a:r>
+              <a:rPr lang="en-US" dirty="0"/>
+              <a:t>Other pods</a:t>
+            </a:r>
+          </a:p>
+        </p:txBody>
+      </p:sp>
+    </p:spTree>
+    <p:extLst>
+      <p:ext uri="{BB962C8B-B14F-4D97-AF65-F5344CB8AC3E}">
+        <p14:creationId xmlns:p14="http://schemas.microsoft.com/office/powerpoint/2010/main" val="2441992710"/>
+      </p:ext>
+    </p:extLst>
+  </p:cSld>
+  <p:clrMapOvr>
+    <a:masterClrMapping/>
+  </p:clrMapOvr>
+</p:sld>
+</file>
+
 <file path=ppt/slides/slide4.xml><?xml version="1.0" encoding="utf-8"?>
 <p:sld xmlns:a="http://schemas.openxmlformats.org/drawingml/2006/main" xmlns:r="http://schemas.openxmlformats.org/officeDocument/2006/relationships" xmlns:p="http://schemas.openxmlformats.org/presentationml/2006/main">
   <p:cSld>
